--- a/graphAlgorithms/maxflow.pptx
+++ b/graphAlgorithms/maxflow.pptx
@@ -6,10 +6,10 @@
     <p:sldMasterId id="2147483651" r:id="rId2"/>
   </p:sldMasterIdLst>
   <p:notesMasterIdLst>
-    <p:notesMasterId r:id="rId12"/>
+    <p:notesMasterId r:id="rId13"/>
   </p:notesMasterIdLst>
   <p:handoutMasterIdLst>
-    <p:handoutMasterId r:id="rId13"/>
+    <p:handoutMasterId r:id="rId14"/>
   </p:handoutMasterIdLst>
   <p:sldIdLst>
     <p:sldId id="801" r:id="rId3"/>
@@ -21,6 +21,7 @@
     <p:sldId id="807" r:id="rId9"/>
     <p:sldId id="808" r:id="rId10"/>
     <p:sldId id="809" r:id="rId11"/>
+    <p:sldId id="810" r:id="rId12"/>
   </p:sldIdLst>
   <p:sldSz cx="9144000" cy="6858000" type="letter"/>
   <p:notesSz cx="6858000" cy="8686800"/>
@@ -1391,6 +1392,96 @@
     <p:extLst>
       <p:ext uri="{BB962C8B-B14F-4D97-AF65-F5344CB8AC3E}">
         <p14:creationId xmlns:p14="http://schemas.microsoft.com/office/powerpoint/2010/main" val="135246185"/>
+      </p:ext>
+    </p:extLst>
+  </p:cSld>
+  <p:clrMapOvr>
+    <a:masterClrMapping/>
+  </p:clrMapOvr>
+</p:notes>
+</file>
+
+<file path=ppt/notesSlides/notesSlide7.xml><?xml version="1.0" encoding="utf-8"?>
+<p:notes xmlns:a="http://schemas.openxmlformats.org/drawingml/2006/main" xmlns:r="http://schemas.openxmlformats.org/officeDocument/2006/relationships" xmlns:p="http://schemas.openxmlformats.org/presentationml/2006/main">
+  <p:cSld>
+    <p:spTree>
+      <p:nvGrpSpPr>
+        <p:cNvPr id="1" name=""/>
+        <p:cNvGrpSpPr/>
+        <p:nvPr/>
+      </p:nvGrpSpPr>
+      <p:grpSpPr>
+        <a:xfrm>
+          <a:off x="0" y="0"/>
+          <a:ext cx="0" cy="0"/>
+          <a:chOff x="0" y="0"/>
+          <a:chExt cx="0" cy="0"/>
+        </a:xfrm>
+      </p:grpSpPr>
+      <p:sp>
+        <p:nvSpPr>
+          <p:cNvPr id="2" name="Slide Image Placeholder 1"/>
+          <p:cNvSpPr>
+            <a:spLocks noGrp="1" noRot="1" noChangeAspect="1"/>
+          </p:cNvSpPr>
+          <p:nvPr>
+            <p:ph type="sldImg"/>
+          </p:nvPr>
+        </p:nvSpPr>
+        <p:spPr/>
+      </p:sp>
+      <p:sp>
+        <p:nvSpPr>
+          <p:cNvPr id="3" name="Notes Placeholder 2"/>
+          <p:cNvSpPr>
+            <a:spLocks noGrp="1"/>
+          </p:cNvSpPr>
+          <p:nvPr>
+            <p:ph type="body" idx="1"/>
+          </p:nvPr>
+        </p:nvSpPr>
+        <p:spPr/>
+        <p:txBody>
+          <a:bodyPr/>
+          <a:lstStyle/>
+          <a:p>
+            <a:endParaRPr lang="en-US" dirty="0"/>
+          </a:p>
+        </p:txBody>
+      </p:sp>
+      <p:sp>
+        <p:nvSpPr>
+          <p:cNvPr id="4" name="Slide Number Placeholder 3"/>
+          <p:cNvSpPr>
+            <a:spLocks noGrp="1"/>
+          </p:cNvSpPr>
+          <p:nvPr>
+            <p:ph type="sldNum" sz="quarter" idx="5"/>
+          </p:nvPr>
+        </p:nvSpPr>
+        <p:spPr/>
+        <p:txBody>
+          <a:bodyPr/>
+          <a:lstStyle/>
+          <a:p>
+            <a:pPr>
+              <a:defRPr/>
+            </a:pPr>
+            <a:fld id="{53FC361A-BD9F-4A25-BAFF-443257819830}" type="slidenum">
+              <a:rPr lang="en-US" smtClean="0"/>
+              <a:pPr>
+                <a:defRPr/>
+              </a:pPr>
+              <a:t>10</a:t>
+            </a:fld>
+            <a:endParaRPr lang="en-US"/>
+          </a:p>
+        </p:txBody>
+      </p:sp>
+    </p:spTree>
+    <p:extLst>
+      <p:ext uri="{BB962C8B-B14F-4D97-AF65-F5344CB8AC3E}">
+        <p14:creationId xmlns:p14="http://schemas.microsoft.com/office/powerpoint/2010/main" val="2390495194"/>
       </p:ext>
     </p:extLst>
   </p:cSld>
@@ -17730,6 +17821,4492 @@
 </p:sld>
 </file>
 
+<file path=ppt/slides/slide10.xml><?xml version="1.0" encoding="utf-8"?>
+<p:sld xmlns:a="http://schemas.openxmlformats.org/drawingml/2006/main" xmlns:r="http://schemas.openxmlformats.org/officeDocument/2006/relationships" xmlns:p="http://schemas.openxmlformats.org/presentationml/2006/main">
+  <p:cSld>
+    <p:spTree>
+      <p:nvGrpSpPr>
+        <p:cNvPr id="1" name=""/>
+        <p:cNvGrpSpPr/>
+        <p:nvPr/>
+      </p:nvGrpSpPr>
+      <p:grpSpPr>
+        <a:xfrm>
+          <a:off x="0" y="0"/>
+          <a:ext cx="0" cy="0"/>
+          <a:chOff x="0" y="0"/>
+          <a:chExt cx="0" cy="0"/>
+        </a:xfrm>
+      </p:grpSpPr>
+      <p:sp>
+        <p:nvSpPr>
+          <p:cNvPr id="2" name="Title 1">
+            <a:extLst>
+              <a:ext uri="{FF2B5EF4-FFF2-40B4-BE49-F238E27FC236}">
+                <a16:creationId xmlns:a16="http://schemas.microsoft.com/office/drawing/2014/main" id="{FD820661-6ED9-5F45-996B-7C4532361E78}"/>
+              </a:ext>
+            </a:extLst>
+          </p:cNvPr>
+          <p:cNvSpPr>
+            <a:spLocks noGrp="1"/>
+          </p:cNvSpPr>
+          <p:nvPr>
+            <p:ph type="title"/>
+          </p:nvPr>
+        </p:nvSpPr>
+        <p:spPr/>
+        <p:txBody>
+          <a:bodyPr/>
+          <a:lstStyle/>
+          <a:p>
+            <a:r>
+              <a:rPr lang="en-US" dirty="0"/>
+              <a:t>Dead-end</a:t>
+            </a:r>
+          </a:p>
+        </p:txBody>
+      </p:sp>
+      <p:grpSp>
+        <p:nvGrpSpPr>
+          <p:cNvPr id="95" name="Group 94">
+            <a:extLst>
+              <a:ext uri="{FF2B5EF4-FFF2-40B4-BE49-F238E27FC236}">
+                <a16:creationId xmlns:a16="http://schemas.microsoft.com/office/drawing/2014/main" id="{325FEE5E-752E-0E47-BDCB-9BB937C60889}"/>
+              </a:ext>
+            </a:extLst>
+          </p:cNvPr>
+          <p:cNvGrpSpPr/>
+          <p:nvPr/>
+        </p:nvGrpSpPr>
+        <p:grpSpPr>
+          <a:xfrm>
+            <a:off x="1021191" y="1422865"/>
+            <a:ext cx="5980544" cy="506903"/>
+            <a:chOff x="987941" y="3617041"/>
+            <a:chExt cx="5980544" cy="506903"/>
+          </a:xfrm>
+        </p:grpSpPr>
+        <p:sp>
+          <p:nvSpPr>
+            <p:cNvPr id="54" name="Text Box 37">
+              <a:extLst>
+                <a:ext uri="{FF2B5EF4-FFF2-40B4-BE49-F238E27FC236}">
+                  <a16:creationId xmlns:a16="http://schemas.microsoft.com/office/drawing/2014/main" id="{546B6791-007E-E446-836B-CBB26870420F}"/>
+                </a:ext>
+              </a:extLst>
+            </p:cNvPr>
+            <p:cNvSpPr txBox="1">
+              <a:spLocks noChangeArrowheads="1"/>
+            </p:cNvSpPr>
+            <p:nvPr/>
+          </p:nvSpPr>
+          <p:spPr bwMode="auto">
+            <a:xfrm>
+              <a:off x="6779653" y="3908500"/>
+              <a:ext cx="113814" cy="215444"/>
+            </a:xfrm>
+            <a:prstGeom prst="rect">
+              <a:avLst/>
+            </a:prstGeom>
+            <a:noFill/>
+            <a:ln w="9525">
+              <a:noFill/>
+              <a:miter lim="800000"/>
+              <a:headEnd/>
+              <a:tailEnd/>
+            </a:ln>
+            <a:effectLst/>
+          </p:spPr>
+          <p:txBody>
+            <a:bodyPr wrap="none" lIns="0" tIns="0" rIns="0" bIns="0">
+              <a:spAutoFit/>
+            </a:bodyPr>
+            <a:lstStyle/>
+            <a:p>
+              <a:pPr>
+                <a:spcBef>
+                  <a:spcPct val="50000"/>
+                </a:spcBef>
+              </a:pPr>
+              <a:r>
+                <a:rPr lang="en-US" sz="1400" dirty="0">
+                  <a:latin typeface="+mn-lt"/>
+                </a:rPr>
+                <a:t>3</a:t>
+              </a:r>
+            </a:p>
+          </p:txBody>
+        </p:sp>
+        <p:sp>
+          <p:nvSpPr>
+            <p:cNvPr id="73" name="Oval 72">
+              <a:extLst>
+                <a:ext uri="{FF2B5EF4-FFF2-40B4-BE49-F238E27FC236}">
+                  <a16:creationId xmlns:a16="http://schemas.microsoft.com/office/drawing/2014/main" id="{96B9E6BD-0A49-0448-8286-3333D71053C1}"/>
+                </a:ext>
+              </a:extLst>
+            </p:cNvPr>
+            <p:cNvSpPr>
+              <a:spLocks noChangeArrowheads="1"/>
+            </p:cNvSpPr>
+            <p:nvPr/>
+          </p:nvSpPr>
+          <p:spPr bwMode="auto">
+            <a:xfrm>
+              <a:off x="2131280" y="3617041"/>
+              <a:ext cx="263849" cy="272858"/>
+            </a:xfrm>
+            <a:prstGeom prst="ellipse">
+              <a:avLst/>
+            </a:prstGeom>
+            <a:solidFill>
+              <a:srgbClr val="CCFFFF"/>
+            </a:solidFill>
+            <a:ln w="9525">
+              <a:solidFill>
+                <a:schemeClr val="tx1"/>
+              </a:solidFill>
+              <a:round/>
+              <a:headEnd/>
+              <a:tailEnd/>
+            </a:ln>
+            <a:effectLst/>
+          </p:spPr>
+          <p:txBody>
+            <a:bodyPr wrap="none" anchor="ctr"/>
+            <a:lstStyle/>
+            <a:p>
+              <a:pPr algn="ctr"/>
+              <a:r>
+                <a:rPr lang="en-US" sz="1400" i="1" dirty="0">
+                  <a:latin typeface="+mn-lt"/>
+                </a:rPr>
+                <a:t>b</a:t>
+              </a:r>
+            </a:p>
+          </p:txBody>
+        </p:sp>
+        <p:sp>
+          <p:nvSpPr>
+            <p:cNvPr id="74" name="Oval 73">
+              <a:extLst>
+                <a:ext uri="{FF2B5EF4-FFF2-40B4-BE49-F238E27FC236}">
+                  <a16:creationId xmlns:a16="http://schemas.microsoft.com/office/drawing/2014/main" id="{E4663992-14D3-9044-AC5B-0AC3C178A5AA}"/>
+                </a:ext>
+              </a:extLst>
+            </p:cNvPr>
+            <p:cNvSpPr>
+              <a:spLocks noChangeArrowheads="1"/>
+            </p:cNvSpPr>
+            <p:nvPr/>
+          </p:nvSpPr>
+          <p:spPr bwMode="auto">
+            <a:xfrm>
+              <a:off x="987941" y="3617041"/>
+              <a:ext cx="263849" cy="272858"/>
+            </a:xfrm>
+            <a:prstGeom prst="ellipse">
+              <a:avLst/>
+            </a:prstGeom>
+            <a:solidFill>
+              <a:srgbClr val="CCFFFF"/>
+            </a:solidFill>
+            <a:ln w="9525">
+              <a:solidFill>
+                <a:schemeClr val="tx1"/>
+              </a:solidFill>
+              <a:round/>
+              <a:headEnd/>
+              <a:tailEnd/>
+            </a:ln>
+            <a:effectLst/>
+          </p:spPr>
+          <p:txBody>
+            <a:bodyPr wrap="none" anchor="ctr"/>
+            <a:lstStyle/>
+            <a:p>
+              <a:pPr algn="ctr"/>
+              <a:r>
+                <a:rPr lang="en-US" sz="1400" i="1" dirty="0">
+                  <a:latin typeface="+mn-lt"/>
+                </a:rPr>
+                <a:t>a</a:t>
+              </a:r>
+            </a:p>
+          </p:txBody>
+        </p:sp>
+        <p:sp>
+          <p:nvSpPr>
+            <p:cNvPr id="75" name="Line 22">
+              <a:extLst>
+                <a:ext uri="{FF2B5EF4-FFF2-40B4-BE49-F238E27FC236}">
+                  <a16:creationId xmlns:a16="http://schemas.microsoft.com/office/drawing/2014/main" id="{5F9969E9-8924-0B4A-A202-2D7FD9CC0356}"/>
+                </a:ext>
+              </a:extLst>
+            </p:cNvPr>
+            <p:cNvSpPr>
+              <a:spLocks noChangeShapeType="1"/>
+            </p:cNvSpPr>
+            <p:nvPr/>
+          </p:nvSpPr>
+          <p:spPr bwMode="auto">
+            <a:xfrm>
+              <a:off x="1251789" y="3753472"/>
+              <a:ext cx="879494" cy="0"/>
+            </a:xfrm>
+            <a:prstGeom prst="line">
+              <a:avLst/>
+            </a:prstGeom>
+            <a:noFill/>
+            <a:ln w="9525">
+              <a:solidFill>
+                <a:schemeClr val="tx1"/>
+              </a:solidFill>
+              <a:round/>
+              <a:headEnd/>
+              <a:tailEnd type="triangle" w="med" len="med"/>
+            </a:ln>
+            <a:effectLst/>
+          </p:spPr>
+          <p:txBody>
+            <a:bodyPr/>
+            <a:lstStyle/>
+            <a:p>
+              <a:endParaRPr lang="en-US" sz="1800">
+                <a:latin typeface="+mn-lt"/>
+              </a:endParaRPr>
+            </a:p>
+          </p:txBody>
+        </p:sp>
+        <p:sp>
+          <p:nvSpPr>
+            <p:cNvPr id="76" name="Text Box 45">
+              <a:extLst>
+                <a:ext uri="{FF2B5EF4-FFF2-40B4-BE49-F238E27FC236}">
+                  <a16:creationId xmlns:a16="http://schemas.microsoft.com/office/drawing/2014/main" id="{5C1AB183-8C39-AD4A-988F-F73CB0E91686}"/>
+                </a:ext>
+              </a:extLst>
+            </p:cNvPr>
+            <p:cNvSpPr txBox="1">
+              <a:spLocks noChangeArrowheads="1"/>
+            </p:cNvSpPr>
+            <p:nvPr/>
+          </p:nvSpPr>
+          <p:spPr bwMode="auto">
+            <a:xfrm>
+              <a:off x="1582269" y="3641551"/>
+              <a:ext cx="293350" cy="215444"/>
+            </a:xfrm>
+            <a:prstGeom prst="rect">
+              <a:avLst/>
+            </a:prstGeom>
+            <a:solidFill>
+              <a:schemeClr val="bg1"/>
+            </a:solidFill>
+            <a:ln w="9525">
+              <a:noFill/>
+              <a:miter lim="800000"/>
+              <a:headEnd/>
+              <a:tailEnd/>
+            </a:ln>
+            <a:effectLst/>
+          </p:spPr>
+          <p:txBody>
+            <a:bodyPr wrap="none" lIns="0" tIns="0" rIns="0" bIns="0">
+              <a:spAutoFit/>
+            </a:bodyPr>
+            <a:lstStyle/>
+            <a:p>
+              <a:pPr>
+                <a:spcBef>
+                  <a:spcPct val="50000"/>
+                </a:spcBef>
+              </a:pPr>
+              <a:r>
+                <a:rPr lang="en-US" sz="1400" dirty="0">
+                  <a:latin typeface="+mn-lt"/>
+                </a:rPr>
+                <a:t>2,2</a:t>
+              </a:r>
+            </a:p>
+          </p:txBody>
+        </p:sp>
+        <p:sp>
+          <p:nvSpPr>
+            <p:cNvPr id="77" name="Oval 76">
+              <a:extLst>
+                <a:ext uri="{FF2B5EF4-FFF2-40B4-BE49-F238E27FC236}">
+                  <a16:creationId xmlns:a16="http://schemas.microsoft.com/office/drawing/2014/main" id="{CBECD0D9-9ECC-7040-B6D4-33BCA726DAEB}"/>
+                </a:ext>
+              </a:extLst>
+            </p:cNvPr>
+            <p:cNvSpPr>
+              <a:spLocks noChangeArrowheads="1"/>
+            </p:cNvSpPr>
+            <p:nvPr/>
+          </p:nvSpPr>
+          <p:spPr bwMode="auto">
+            <a:xfrm>
+              <a:off x="3274620" y="3617041"/>
+              <a:ext cx="263849" cy="272858"/>
+            </a:xfrm>
+            <a:prstGeom prst="ellipse">
+              <a:avLst/>
+            </a:prstGeom>
+            <a:solidFill>
+              <a:srgbClr val="CCFFFF"/>
+            </a:solidFill>
+            <a:ln w="9525">
+              <a:solidFill>
+                <a:schemeClr val="tx1"/>
+              </a:solidFill>
+              <a:round/>
+              <a:headEnd/>
+              <a:tailEnd/>
+            </a:ln>
+            <a:effectLst/>
+          </p:spPr>
+          <p:txBody>
+            <a:bodyPr wrap="none" anchor="ctr"/>
+            <a:lstStyle/>
+            <a:p>
+              <a:pPr algn="ctr"/>
+              <a:r>
+                <a:rPr lang="en-US" sz="1400" i="1" dirty="0">
+                  <a:latin typeface="+mn-lt"/>
+                </a:rPr>
+                <a:t>c</a:t>
+              </a:r>
+            </a:p>
+          </p:txBody>
+        </p:sp>
+        <p:sp>
+          <p:nvSpPr>
+            <p:cNvPr id="78" name="Line 22">
+              <a:extLst>
+                <a:ext uri="{FF2B5EF4-FFF2-40B4-BE49-F238E27FC236}">
+                  <a16:creationId xmlns:a16="http://schemas.microsoft.com/office/drawing/2014/main" id="{55BB0FE9-BBD7-D84C-83BB-2EE630C0FE8C}"/>
+                </a:ext>
+              </a:extLst>
+            </p:cNvPr>
+            <p:cNvSpPr>
+              <a:spLocks noChangeShapeType="1"/>
+            </p:cNvSpPr>
+            <p:nvPr/>
+          </p:nvSpPr>
+          <p:spPr bwMode="auto">
+            <a:xfrm>
+              <a:off x="2395129" y="3753472"/>
+              <a:ext cx="879494" cy="0"/>
+            </a:xfrm>
+            <a:prstGeom prst="line">
+              <a:avLst/>
+            </a:prstGeom>
+            <a:noFill/>
+            <a:ln w="9525">
+              <a:solidFill>
+                <a:schemeClr val="tx1"/>
+              </a:solidFill>
+              <a:round/>
+              <a:headEnd/>
+              <a:tailEnd type="triangle" w="med" len="med"/>
+            </a:ln>
+            <a:effectLst/>
+          </p:spPr>
+          <p:txBody>
+            <a:bodyPr/>
+            <a:lstStyle/>
+            <a:p>
+              <a:endParaRPr lang="en-US" sz="1800">
+                <a:latin typeface="+mn-lt"/>
+              </a:endParaRPr>
+            </a:p>
+          </p:txBody>
+        </p:sp>
+        <p:sp>
+          <p:nvSpPr>
+            <p:cNvPr id="79" name="Text Box 45">
+              <a:extLst>
+                <a:ext uri="{FF2B5EF4-FFF2-40B4-BE49-F238E27FC236}">
+                  <a16:creationId xmlns:a16="http://schemas.microsoft.com/office/drawing/2014/main" id="{2EAF5961-212E-EB4C-9D3D-5E90BB2ED9BE}"/>
+                </a:ext>
+              </a:extLst>
+            </p:cNvPr>
+            <p:cNvSpPr txBox="1">
+              <a:spLocks noChangeArrowheads="1"/>
+            </p:cNvSpPr>
+            <p:nvPr/>
+          </p:nvSpPr>
+          <p:spPr bwMode="auto">
+            <a:xfrm>
+              <a:off x="2725609" y="3641551"/>
+              <a:ext cx="293350" cy="215444"/>
+            </a:xfrm>
+            <a:prstGeom prst="rect">
+              <a:avLst/>
+            </a:prstGeom>
+            <a:solidFill>
+              <a:schemeClr val="bg1"/>
+            </a:solidFill>
+            <a:ln w="9525">
+              <a:noFill/>
+              <a:miter lim="800000"/>
+              <a:headEnd/>
+              <a:tailEnd/>
+            </a:ln>
+            <a:effectLst/>
+          </p:spPr>
+          <p:txBody>
+            <a:bodyPr wrap="none" lIns="0" tIns="0" rIns="0" bIns="0">
+              <a:spAutoFit/>
+            </a:bodyPr>
+            <a:lstStyle/>
+            <a:p>
+              <a:pPr>
+                <a:spcBef>
+                  <a:spcPct val="50000"/>
+                </a:spcBef>
+              </a:pPr>
+              <a:r>
+                <a:rPr lang="en-US" sz="1400" dirty="0">
+                  <a:latin typeface="+mn-lt"/>
+                </a:rPr>
+                <a:t>2,2</a:t>
+              </a:r>
+            </a:p>
+          </p:txBody>
+        </p:sp>
+        <p:sp>
+          <p:nvSpPr>
+            <p:cNvPr id="80" name="Oval 79">
+              <a:extLst>
+                <a:ext uri="{FF2B5EF4-FFF2-40B4-BE49-F238E27FC236}">
+                  <a16:creationId xmlns:a16="http://schemas.microsoft.com/office/drawing/2014/main" id="{A25CCBFD-A24C-2443-A632-C2D4C8ABBC40}"/>
+                </a:ext>
+              </a:extLst>
+            </p:cNvPr>
+            <p:cNvSpPr>
+              <a:spLocks noChangeArrowheads="1"/>
+            </p:cNvSpPr>
+            <p:nvPr/>
+          </p:nvSpPr>
+          <p:spPr bwMode="auto">
+            <a:xfrm>
+              <a:off x="4417960" y="3628022"/>
+              <a:ext cx="263849" cy="272858"/>
+            </a:xfrm>
+            <a:prstGeom prst="ellipse">
+              <a:avLst/>
+            </a:prstGeom>
+            <a:solidFill>
+              <a:srgbClr val="CCFFFF"/>
+            </a:solidFill>
+            <a:ln w="9525">
+              <a:solidFill>
+                <a:schemeClr val="tx1"/>
+              </a:solidFill>
+              <a:round/>
+              <a:headEnd/>
+              <a:tailEnd/>
+            </a:ln>
+            <a:effectLst/>
+          </p:spPr>
+          <p:txBody>
+            <a:bodyPr wrap="none" anchor="ctr"/>
+            <a:lstStyle/>
+            <a:p>
+              <a:pPr algn="ctr"/>
+              <a:r>
+                <a:rPr lang="en-US" sz="1400" i="1" dirty="0">
+                  <a:latin typeface="+mn-lt"/>
+                </a:rPr>
+                <a:t>d</a:t>
+              </a:r>
+            </a:p>
+          </p:txBody>
+        </p:sp>
+        <p:sp>
+          <p:nvSpPr>
+            <p:cNvPr id="81" name="Line 22">
+              <a:extLst>
+                <a:ext uri="{FF2B5EF4-FFF2-40B4-BE49-F238E27FC236}">
+                  <a16:creationId xmlns:a16="http://schemas.microsoft.com/office/drawing/2014/main" id="{2FB5D324-5976-1247-A281-2182F3A85E79}"/>
+                </a:ext>
+              </a:extLst>
+            </p:cNvPr>
+            <p:cNvSpPr>
+              <a:spLocks noChangeShapeType="1"/>
+            </p:cNvSpPr>
+            <p:nvPr/>
+          </p:nvSpPr>
+          <p:spPr bwMode="auto">
+            <a:xfrm>
+              <a:off x="3538469" y="3764453"/>
+              <a:ext cx="879494" cy="0"/>
+            </a:xfrm>
+            <a:prstGeom prst="line">
+              <a:avLst/>
+            </a:prstGeom>
+            <a:noFill/>
+            <a:ln w="9525">
+              <a:solidFill>
+                <a:schemeClr val="tx1"/>
+              </a:solidFill>
+              <a:round/>
+              <a:headEnd/>
+              <a:tailEnd type="triangle" w="med" len="med"/>
+            </a:ln>
+            <a:effectLst/>
+          </p:spPr>
+          <p:txBody>
+            <a:bodyPr/>
+            <a:lstStyle/>
+            <a:p>
+              <a:endParaRPr lang="en-US" sz="1800">
+                <a:latin typeface="+mn-lt"/>
+              </a:endParaRPr>
+            </a:p>
+          </p:txBody>
+        </p:sp>
+        <p:sp>
+          <p:nvSpPr>
+            <p:cNvPr id="82" name="Text Box 45">
+              <a:extLst>
+                <a:ext uri="{FF2B5EF4-FFF2-40B4-BE49-F238E27FC236}">
+                  <a16:creationId xmlns:a16="http://schemas.microsoft.com/office/drawing/2014/main" id="{A2454643-D8C5-BE4C-A0E9-3A6BA3815749}"/>
+                </a:ext>
+              </a:extLst>
+            </p:cNvPr>
+            <p:cNvSpPr txBox="1">
+              <a:spLocks noChangeArrowheads="1"/>
+            </p:cNvSpPr>
+            <p:nvPr/>
+          </p:nvSpPr>
+          <p:spPr bwMode="auto">
+            <a:xfrm>
+              <a:off x="3868949" y="3652532"/>
+              <a:ext cx="293350" cy="215444"/>
+            </a:xfrm>
+            <a:prstGeom prst="rect">
+              <a:avLst/>
+            </a:prstGeom>
+            <a:solidFill>
+              <a:schemeClr val="bg1"/>
+            </a:solidFill>
+            <a:ln w="9525">
+              <a:noFill/>
+              <a:miter lim="800000"/>
+              <a:headEnd/>
+              <a:tailEnd/>
+            </a:ln>
+            <a:effectLst/>
+          </p:spPr>
+          <p:txBody>
+            <a:bodyPr wrap="none" lIns="0" tIns="0" rIns="0" bIns="0">
+              <a:spAutoFit/>
+            </a:bodyPr>
+            <a:lstStyle/>
+            <a:p>
+              <a:pPr>
+                <a:spcBef>
+                  <a:spcPct val="50000"/>
+                </a:spcBef>
+              </a:pPr>
+              <a:r>
+                <a:rPr lang="en-US" sz="1400" dirty="0">
+                  <a:latin typeface="+mn-lt"/>
+                </a:rPr>
+                <a:t>2,2</a:t>
+              </a:r>
+            </a:p>
+          </p:txBody>
+        </p:sp>
+        <p:sp>
+          <p:nvSpPr>
+            <p:cNvPr id="83" name="Oval 82">
+              <a:extLst>
+                <a:ext uri="{FF2B5EF4-FFF2-40B4-BE49-F238E27FC236}">
+                  <a16:creationId xmlns:a16="http://schemas.microsoft.com/office/drawing/2014/main" id="{D04A50B9-4AAD-CE4E-B489-9564311DE402}"/>
+                </a:ext>
+              </a:extLst>
+            </p:cNvPr>
+            <p:cNvSpPr>
+              <a:spLocks noChangeArrowheads="1"/>
+            </p:cNvSpPr>
+            <p:nvPr/>
+          </p:nvSpPr>
+          <p:spPr bwMode="auto">
+            <a:xfrm>
+              <a:off x="5553115" y="3628022"/>
+              <a:ext cx="263849" cy="272858"/>
+            </a:xfrm>
+            <a:prstGeom prst="ellipse">
+              <a:avLst/>
+            </a:prstGeom>
+            <a:solidFill>
+              <a:srgbClr val="CCFFFF"/>
+            </a:solidFill>
+            <a:ln w="9525">
+              <a:solidFill>
+                <a:schemeClr val="tx1"/>
+              </a:solidFill>
+              <a:round/>
+              <a:headEnd/>
+              <a:tailEnd/>
+            </a:ln>
+            <a:effectLst/>
+          </p:spPr>
+          <p:txBody>
+            <a:bodyPr wrap="none" anchor="ctr"/>
+            <a:lstStyle/>
+            <a:p>
+              <a:pPr algn="ctr"/>
+              <a:r>
+                <a:rPr lang="en-US" sz="1400" i="1" dirty="0">
+                  <a:latin typeface="+mn-lt"/>
+                </a:rPr>
+                <a:t>e</a:t>
+              </a:r>
+            </a:p>
+          </p:txBody>
+        </p:sp>
+        <p:sp>
+          <p:nvSpPr>
+            <p:cNvPr id="84" name="Line 22">
+              <a:extLst>
+                <a:ext uri="{FF2B5EF4-FFF2-40B4-BE49-F238E27FC236}">
+                  <a16:creationId xmlns:a16="http://schemas.microsoft.com/office/drawing/2014/main" id="{E72F4A69-E97E-2542-97D4-D28C14CBD358}"/>
+                </a:ext>
+              </a:extLst>
+            </p:cNvPr>
+            <p:cNvSpPr>
+              <a:spLocks noChangeShapeType="1"/>
+            </p:cNvSpPr>
+            <p:nvPr/>
+          </p:nvSpPr>
+          <p:spPr bwMode="auto">
+            <a:xfrm>
+              <a:off x="4673624" y="3764453"/>
+              <a:ext cx="879494" cy="0"/>
+            </a:xfrm>
+            <a:prstGeom prst="line">
+              <a:avLst/>
+            </a:prstGeom>
+            <a:noFill/>
+            <a:ln w="9525">
+              <a:solidFill>
+                <a:schemeClr val="tx1"/>
+              </a:solidFill>
+              <a:round/>
+              <a:headEnd/>
+              <a:tailEnd type="triangle" w="med" len="med"/>
+            </a:ln>
+            <a:effectLst/>
+          </p:spPr>
+          <p:txBody>
+            <a:bodyPr/>
+            <a:lstStyle/>
+            <a:p>
+              <a:endParaRPr lang="en-US" sz="1800">
+                <a:latin typeface="+mn-lt"/>
+              </a:endParaRPr>
+            </a:p>
+          </p:txBody>
+        </p:sp>
+        <p:sp>
+          <p:nvSpPr>
+            <p:cNvPr id="85" name="Text Box 45">
+              <a:extLst>
+                <a:ext uri="{FF2B5EF4-FFF2-40B4-BE49-F238E27FC236}">
+                  <a16:creationId xmlns:a16="http://schemas.microsoft.com/office/drawing/2014/main" id="{5C378130-6225-5B45-B7EF-DD20EA4CEBF8}"/>
+                </a:ext>
+              </a:extLst>
+            </p:cNvPr>
+            <p:cNvSpPr txBox="1">
+              <a:spLocks noChangeArrowheads="1"/>
+            </p:cNvSpPr>
+            <p:nvPr/>
+          </p:nvSpPr>
+          <p:spPr bwMode="auto">
+            <a:xfrm>
+              <a:off x="5004104" y="3652532"/>
+              <a:ext cx="293350" cy="215444"/>
+            </a:xfrm>
+            <a:prstGeom prst="rect">
+              <a:avLst/>
+            </a:prstGeom>
+            <a:solidFill>
+              <a:schemeClr val="bg1"/>
+            </a:solidFill>
+            <a:ln w="9525">
+              <a:noFill/>
+              <a:miter lim="800000"/>
+              <a:headEnd/>
+              <a:tailEnd/>
+            </a:ln>
+            <a:effectLst/>
+          </p:spPr>
+          <p:txBody>
+            <a:bodyPr wrap="none" lIns="0" tIns="0" rIns="0" bIns="0">
+              <a:spAutoFit/>
+            </a:bodyPr>
+            <a:lstStyle/>
+            <a:p>
+              <a:pPr>
+                <a:spcBef>
+                  <a:spcPct val="50000"/>
+                </a:spcBef>
+              </a:pPr>
+              <a:r>
+                <a:rPr lang="en-US" sz="1400" dirty="0">
+                  <a:latin typeface="+mn-lt"/>
+                </a:rPr>
+                <a:t>2,2</a:t>
+              </a:r>
+            </a:p>
+          </p:txBody>
+        </p:sp>
+        <p:sp>
+          <p:nvSpPr>
+            <p:cNvPr id="86" name="Oval 85">
+              <a:extLst>
+                <a:ext uri="{FF2B5EF4-FFF2-40B4-BE49-F238E27FC236}">
+                  <a16:creationId xmlns:a16="http://schemas.microsoft.com/office/drawing/2014/main" id="{4019ABCB-8960-304E-B163-09BD1402C0DB}"/>
+                </a:ext>
+              </a:extLst>
+            </p:cNvPr>
+            <p:cNvSpPr>
+              <a:spLocks noChangeArrowheads="1"/>
+            </p:cNvSpPr>
+            <p:nvPr/>
+          </p:nvSpPr>
+          <p:spPr bwMode="auto">
+            <a:xfrm>
+              <a:off x="6704636" y="3628022"/>
+              <a:ext cx="263849" cy="272858"/>
+            </a:xfrm>
+            <a:prstGeom prst="ellipse">
+              <a:avLst/>
+            </a:prstGeom>
+            <a:solidFill>
+              <a:srgbClr val="CCFFFF"/>
+            </a:solidFill>
+            <a:ln w="9525">
+              <a:solidFill>
+                <a:schemeClr val="tx1"/>
+              </a:solidFill>
+              <a:round/>
+              <a:headEnd/>
+              <a:tailEnd/>
+            </a:ln>
+            <a:effectLst/>
+          </p:spPr>
+          <p:txBody>
+            <a:bodyPr wrap="none" anchor="ctr"/>
+            <a:lstStyle/>
+            <a:p>
+              <a:pPr algn="ctr"/>
+              <a:r>
+                <a:rPr lang="en-US" sz="1400" i="1" dirty="0">
+                  <a:latin typeface="+mn-lt"/>
+                </a:rPr>
+                <a:t>f</a:t>
+              </a:r>
+            </a:p>
+          </p:txBody>
+        </p:sp>
+        <p:sp>
+          <p:nvSpPr>
+            <p:cNvPr id="87" name="Line 22">
+              <a:extLst>
+                <a:ext uri="{FF2B5EF4-FFF2-40B4-BE49-F238E27FC236}">
+                  <a16:creationId xmlns:a16="http://schemas.microsoft.com/office/drawing/2014/main" id="{9577EF1D-67F9-E34F-A12C-6B1FB77A74CB}"/>
+                </a:ext>
+              </a:extLst>
+            </p:cNvPr>
+            <p:cNvSpPr>
+              <a:spLocks noChangeShapeType="1"/>
+            </p:cNvSpPr>
+            <p:nvPr/>
+          </p:nvSpPr>
+          <p:spPr bwMode="auto">
+            <a:xfrm>
+              <a:off x="5825145" y="3764453"/>
+              <a:ext cx="879494" cy="0"/>
+            </a:xfrm>
+            <a:prstGeom prst="line">
+              <a:avLst/>
+            </a:prstGeom>
+            <a:noFill/>
+            <a:ln w="9525">
+              <a:solidFill>
+                <a:schemeClr val="tx1"/>
+              </a:solidFill>
+              <a:round/>
+              <a:headEnd/>
+              <a:tailEnd type="triangle" w="med" len="med"/>
+            </a:ln>
+            <a:effectLst/>
+          </p:spPr>
+          <p:txBody>
+            <a:bodyPr/>
+            <a:lstStyle/>
+            <a:p>
+              <a:endParaRPr lang="en-US" sz="1800">
+                <a:latin typeface="+mn-lt"/>
+              </a:endParaRPr>
+            </a:p>
+          </p:txBody>
+        </p:sp>
+        <p:sp>
+          <p:nvSpPr>
+            <p:cNvPr id="88" name="Text Box 45">
+              <a:extLst>
+                <a:ext uri="{FF2B5EF4-FFF2-40B4-BE49-F238E27FC236}">
+                  <a16:creationId xmlns:a16="http://schemas.microsoft.com/office/drawing/2014/main" id="{E217DE0B-1659-0D46-B793-6CB6463F9848}"/>
+                </a:ext>
+              </a:extLst>
+            </p:cNvPr>
+            <p:cNvSpPr txBox="1">
+              <a:spLocks noChangeArrowheads="1"/>
+            </p:cNvSpPr>
+            <p:nvPr/>
+          </p:nvSpPr>
+          <p:spPr bwMode="auto">
+            <a:xfrm>
+              <a:off x="6155625" y="3652532"/>
+              <a:ext cx="293350" cy="215444"/>
+            </a:xfrm>
+            <a:prstGeom prst="rect">
+              <a:avLst/>
+            </a:prstGeom>
+            <a:solidFill>
+              <a:schemeClr val="bg1"/>
+            </a:solidFill>
+            <a:ln w="9525">
+              <a:noFill/>
+              <a:miter lim="800000"/>
+              <a:headEnd/>
+              <a:tailEnd/>
+            </a:ln>
+            <a:effectLst/>
+          </p:spPr>
+          <p:txBody>
+            <a:bodyPr wrap="none" lIns="0" tIns="0" rIns="0" bIns="0">
+              <a:spAutoFit/>
+            </a:bodyPr>
+            <a:lstStyle/>
+            <a:p>
+              <a:pPr>
+                <a:spcBef>
+                  <a:spcPct val="50000"/>
+                </a:spcBef>
+              </a:pPr>
+              <a:r>
+                <a:rPr lang="en-US" sz="1400" dirty="0">
+                  <a:latin typeface="+mn-lt"/>
+                </a:rPr>
+                <a:t>1,1</a:t>
+              </a:r>
+            </a:p>
+          </p:txBody>
+        </p:sp>
+        <p:sp>
+          <p:nvSpPr>
+            <p:cNvPr id="90" name="Text Box 37">
+              <a:extLst>
+                <a:ext uri="{FF2B5EF4-FFF2-40B4-BE49-F238E27FC236}">
+                  <a16:creationId xmlns:a16="http://schemas.microsoft.com/office/drawing/2014/main" id="{C5A54844-2516-7C43-84D9-705F8675F4FA}"/>
+                </a:ext>
+              </a:extLst>
+            </p:cNvPr>
+            <p:cNvSpPr txBox="1">
+              <a:spLocks noChangeArrowheads="1"/>
+            </p:cNvSpPr>
+            <p:nvPr/>
+          </p:nvSpPr>
+          <p:spPr bwMode="auto">
+            <a:xfrm>
+              <a:off x="5628132" y="3908500"/>
+              <a:ext cx="113814" cy="215444"/>
+            </a:xfrm>
+            <a:prstGeom prst="rect">
+              <a:avLst/>
+            </a:prstGeom>
+            <a:noFill/>
+            <a:ln w="9525">
+              <a:noFill/>
+              <a:miter lim="800000"/>
+              <a:headEnd/>
+              <a:tailEnd/>
+            </a:ln>
+            <a:effectLst/>
+          </p:spPr>
+          <p:txBody>
+            <a:bodyPr wrap="none" lIns="0" tIns="0" rIns="0" bIns="0">
+              <a:spAutoFit/>
+            </a:bodyPr>
+            <a:lstStyle/>
+            <a:p>
+              <a:pPr>
+                <a:spcBef>
+                  <a:spcPct val="50000"/>
+                </a:spcBef>
+              </a:pPr>
+              <a:r>
+                <a:rPr lang="en-US" sz="1400" dirty="0">
+                  <a:latin typeface="+mn-lt"/>
+                </a:rPr>
+                <a:t>4</a:t>
+              </a:r>
+            </a:p>
+          </p:txBody>
+        </p:sp>
+        <p:sp>
+          <p:nvSpPr>
+            <p:cNvPr id="91" name="Text Box 37">
+              <a:extLst>
+                <a:ext uri="{FF2B5EF4-FFF2-40B4-BE49-F238E27FC236}">
+                  <a16:creationId xmlns:a16="http://schemas.microsoft.com/office/drawing/2014/main" id="{1B4011E3-7109-8349-A512-4BB6618405B8}"/>
+                </a:ext>
+              </a:extLst>
+            </p:cNvPr>
+            <p:cNvSpPr txBox="1">
+              <a:spLocks noChangeArrowheads="1"/>
+            </p:cNvSpPr>
+            <p:nvPr/>
+          </p:nvSpPr>
+          <p:spPr bwMode="auto">
+            <a:xfrm>
+              <a:off x="4485651" y="3908500"/>
+              <a:ext cx="113814" cy="215444"/>
+            </a:xfrm>
+            <a:prstGeom prst="rect">
+              <a:avLst/>
+            </a:prstGeom>
+            <a:noFill/>
+            <a:ln w="9525">
+              <a:noFill/>
+              <a:miter lim="800000"/>
+              <a:headEnd/>
+              <a:tailEnd/>
+            </a:ln>
+            <a:effectLst/>
+          </p:spPr>
+          <p:txBody>
+            <a:bodyPr wrap="none" lIns="0" tIns="0" rIns="0" bIns="0">
+              <a:spAutoFit/>
+            </a:bodyPr>
+            <a:lstStyle/>
+            <a:p>
+              <a:pPr>
+                <a:spcBef>
+                  <a:spcPct val="50000"/>
+                </a:spcBef>
+              </a:pPr>
+              <a:r>
+                <a:rPr lang="en-US" sz="1400" dirty="0">
+                  <a:latin typeface="+mn-lt"/>
+                </a:rPr>
+                <a:t>5</a:t>
+              </a:r>
+            </a:p>
+          </p:txBody>
+        </p:sp>
+        <p:sp>
+          <p:nvSpPr>
+            <p:cNvPr id="92" name="Text Box 37">
+              <a:extLst>
+                <a:ext uri="{FF2B5EF4-FFF2-40B4-BE49-F238E27FC236}">
+                  <a16:creationId xmlns:a16="http://schemas.microsoft.com/office/drawing/2014/main" id="{F4860EA6-D41C-F74C-928D-725C62983047}"/>
+                </a:ext>
+              </a:extLst>
+            </p:cNvPr>
+            <p:cNvSpPr txBox="1">
+              <a:spLocks noChangeArrowheads="1"/>
+            </p:cNvSpPr>
+            <p:nvPr/>
+          </p:nvSpPr>
+          <p:spPr bwMode="auto">
+            <a:xfrm>
+              <a:off x="3323346" y="3908500"/>
+              <a:ext cx="113814" cy="215444"/>
+            </a:xfrm>
+            <a:prstGeom prst="rect">
+              <a:avLst/>
+            </a:prstGeom>
+            <a:noFill/>
+            <a:ln w="9525">
+              <a:noFill/>
+              <a:miter lim="800000"/>
+              <a:headEnd/>
+              <a:tailEnd/>
+            </a:ln>
+            <a:effectLst/>
+          </p:spPr>
+          <p:txBody>
+            <a:bodyPr wrap="none" lIns="0" tIns="0" rIns="0" bIns="0">
+              <a:spAutoFit/>
+            </a:bodyPr>
+            <a:lstStyle/>
+            <a:p>
+              <a:pPr>
+                <a:spcBef>
+                  <a:spcPct val="50000"/>
+                </a:spcBef>
+              </a:pPr>
+              <a:r>
+                <a:rPr lang="en-US" sz="1400" dirty="0">
+                  <a:latin typeface="+mn-lt"/>
+                </a:rPr>
+                <a:t>6</a:t>
+              </a:r>
+            </a:p>
+          </p:txBody>
+        </p:sp>
+        <p:sp>
+          <p:nvSpPr>
+            <p:cNvPr id="93" name="Text Box 37">
+              <a:extLst>
+                <a:ext uri="{FF2B5EF4-FFF2-40B4-BE49-F238E27FC236}">
+                  <a16:creationId xmlns:a16="http://schemas.microsoft.com/office/drawing/2014/main" id="{81E4BDC6-E7E5-4C4C-9F93-C453FE83B1BD}"/>
+                </a:ext>
+              </a:extLst>
+            </p:cNvPr>
+            <p:cNvSpPr txBox="1">
+              <a:spLocks noChangeArrowheads="1"/>
+            </p:cNvSpPr>
+            <p:nvPr/>
+          </p:nvSpPr>
+          <p:spPr bwMode="auto">
+            <a:xfrm>
+              <a:off x="2198117" y="3899885"/>
+              <a:ext cx="113814" cy="215444"/>
+            </a:xfrm>
+            <a:prstGeom prst="rect">
+              <a:avLst/>
+            </a:prstGeom>
+            <a:noFill/>
+            <a:ln w="9525">
+              <a:noFill/>
+              <a:miter lim="800000"/>
+              <a:headEnd/>
+              <a:tailEnd/>
+            </a:ln>
+            <a:effectLst/>
+          </p:spPr>
+          <p:txBody>
+            <a:bodyPr wrap="none" lIns="0" tIns="0" rIns="0" bIns="0">
+              <a:spAutoFit/>
+            </a:bodyPr>
+            <a:lstStyle/>
+            <a:p>
+              <a:pPr>
+                <a:spcBef>
+                  <a:spcPct val="50000"/>
+                </a:spcBef>
+              </a:pPr>
+              <a:r>
+                <a:rPr lang="en-US" sz="1400" dirty="0">
+                  <a:latin typeface="+mn-lt"/>
+                </a:rPr>
+                <a:t>7</a:t>
+              </a:r>
+            </a:p>
+          </p:txBody>
+        </p:sp>
+        <p:sp>
+          <p:nvSpPr>
+            <p:cNvPr id="94" name="Text Box 37">
+              <a:extLst>
+                <a:ext uri="{FF2B5EF4-FFF2-40B4-BE49-F238E27FC236}">
+                  <a16:creationId xmlns:a16="http://schemas.microsoft.com/office/drawing/2014/main" id="{17A8EFCB-6D2D-2040-BEDC-BF5CE500CD36}"/>
+                </a:ext>
+              </a:extLst>
+            </p:cNvPr>
+            <p:cNvSpPr txBox="1">
+              <a:spLocks noChangeArrowheads="1"/>
+            </p:cNvSpPr>
+            <p:nvPr/>
+          </p:nvSpPr>
+          <p:spPr bwMode="auto">
+            <a:xfrm>
+              <a:off x="1062958" y="3908500"/>
+              <a:ext cx="113814" cy="215444"/>
+            </a:xfrm>
+            <a:prstGeom prst="rect">
+              <a:avLst/>
+            </a:prstGeom>
+            <a:noFill/>
+            <a:ln w="9525">
+              <a:noFill/>
+              <a:miter lim="800000"/>
+              <a:headEnd/>
+              <a:tailEnd/>
+            </a:ln>
+            <a:effectLst/>
+          </p:spPr>
+          <p:txBody>
+            <a:bodyPr wrap="none" lIns="0" tIns="0" rIns="0" bIns="0">
+              <a:spAutoFit/>
+            </a:bodyPr>
+            <a:lstStyle/>
+            <a:p>
+              <a:pPr>
+                <a:spcBef>
+                  <a:spcPct val="50000"/>
+                </a:spcBef>
+              </a:pPr>
+              <a:r>
+                <a:rPr lang="en-US" sz="1400" dirty="0">
+                  <a:latin typeface="+mn-lt"/>
+                </a:rPr>
+                <a:t>8</a:t>
+              </a:r>
+            </a:p>
+          </p:txBody>
+        </p:sp>
+      </p:grpSp>
+      <p:grpSp>
+        <p:nvGrpSpPr>
+          <p:cNvPr id="96" name="Group 95">
+            <a:extLst>
+              <a:ext uri="{FF2B5EF4-FFF2-40B4-BE49-F238E27FC236}">
+                <a16:creationId xmlns:a16="http://schemas.microsoft.com/office/drawing/2014/main" id="{7F59D643-112D-6647-827A-FD8154612A0F}"/>
+              </a:ext>
+            </a:extLst>
+          </p:cNvPr>
+          <p:cNvGrpSpPr/>
+          <p:nvPr/>
+        </p:nvGrpSpPr>
+        <p:grpSpPr>
+          <a:xfrm>
+            <a:off x="1017759" y="2172481"/>
+            <a:ext cx="5980544" cy="506903"/>
+            <a:chOff x="987941" y="3617041"/>
+            <a:chExt cx="5980544" cy="506903"/>
+          </a:xfrm>
+        </p:grpSpPr>
+        <p:sp>
+          <p:nvSpPr>
+            <p:cNvPr id="97" name="Text Box 37">
+              <a:extLst>
+                <a:ext uri="{FF2B5EF4-FFF2-40B4-BE49-F238E27FC236}">
+                  <a16:creationId xmlns:a16="http://schemas.microsoft.com/office/drawing/2014/main" id="{E72CCFC3-AB4B-004F-AB40-22C63CB8F8FF}"/>
+                </a:ext>
+              </a:extLst>
+            </p:cNvPr>
+            <p:cNvSpPr txBox="1">
+              <a:spLocks noChangeArrowheads="1"/>
+            </p:cNvSpPr>
+            <p:nvPr/>
+          </p:nvSpPr>
+          <p:spPr bwMode="auto">
+            <a:xfrm>
+              <a:off x="6779653" y="3908500"/>
+              <a:ext cx="113814" cy="215444"/>
+            </a:xfrm>
+            <a:prstGeom prst="rect">
+              <a:avLst/>
+            </a:prstGeom>
+            <a:noFill/>
+            <a:ln w="9525">
+              <a:noFill/>
+              <a:miter lim="800000"/>
+              <a:headEnd/>
+              <a:tailEnd/>
+            </a:ln>
+            <a:effectLst/>
+          </p:spPr>
+          <p:txBody>
+            <a:bodyPr wrap="none" lIns="0" tIns="0" rIns="0" bIns="0">
+              <a:spAutoFit/>
+            </a:bodyPr>
+            <a:lstStyle/>
+            <a:p>
+              <a:pPr>
+                <a:spcBef>
+                  <a:spcPct val="50000"/>
+                </a:spcBef>
+              </a:pPr>
+              <a:r>
+                <a:rPr lang="en-US" sz="1400" dirty="0">
+                  <a:latin typeface="+mn-lt"/>
+                </a:rPr>
+                <a:t>3</a:t>
+              </a:r>
+            </a:p>
+          </p:txBody>
+        </p:sp>
+        <p:sp>
+          <p:nvSpPr>
+            <p:cNvPr id="98" name="Oval 97">
+              <a:extLst>
+                <a:ext uri="{FF2B5EF4-FFF2-40B4-BE49-F238E27FC236}">
+                  <a16:creationId xmlns:a16="http://schemas.microsoft.com/office/drawing/2014/main" id="{DD208E80-E3C2-1240-B1B7-4F9FC285C8BA}"/>
+                </a:ext>
+              </a:extLst>
+            </p:cNvPr>
+            <p:cNvSpPr>
+              <a:spLocks noChangeArrowheads="1"/>
+            </p:cNvSpPr>
+            <p:nvPr/>
+          </p:nvSpPr>
+          <p:spPr bwMode="auto">
+            <a:xfrm>
+              <a:off x="2131280" y="3617041"/>
+              <a:ext cx="263849" cy="272858"/>
+            </a:xfrm>
+            <a:prstGeom prst="ellipse">
+              <a:avLst/>
+            </a:prstGeom>
+            <a:solidFill>
+              <a:srgbClr val="CCFFFF"/>
+            </a:solidFill>
+            <a:ln w="9525">
+              <a:solidFill>
+                <a:schemeClr val="tx1"/>
+              </a:solidFill>
+              <a:round/>
+              <a:headEnd/>
+              <a:tailEnd/>
+            </a:ln>
+            <a:effectLst/>
+          </p:spPr>
+          <p:txBody>
+            <a:bodyPr wrap="none" anchor="ctr"/>
+            <a:lstStyle/>
+            <a:p>
+              <a:pPr algn="ctr"/>
+              <a:r>
+                <a:rPr lang="en-US" sz="1400" i="1" dirty="0">
+                  <a:latin typeface="+mn-lt"/>
+                </a:rPr>
+                <a:t>b</a:t>
+              </a:r>
+            </a:p>
+          </p:txBody>
+        </p:sp>
+        <p:sp>
+          <p:nvSpPr>
+            <p:cNvPr id="99" name="Oval 98">
+              <a:extLst>
+                <a:ext uri="{FF2B5EF4-FFF2-40B4-BE49-F238E27FC236}">
+                  <a16:creationId xmlns:a16="http://schemas.microsoft.com/office/drawing/2014/main" id="{2B8E6E37-43A6-294A-93CA-C5CC30DA9031}"/>
+                </a:ext>
+              </a:extLst>
+            </p:cNvPr>
+            <p:cNvSpPr>
+              <a:spLocks noChangeArrowheads="1"/>
+            </p:cNvSpPr>
+            <p:nvPr/>
+          </p:nvSpPr>
+          <p:spPr bwMode="auto">
+            <a:xfrm>
+              <a:off x="987941" y="3617041"/>
+              <a:ext cx="263849" cy="272858"/>
+            </a:xfrm>
+            <a:prstGeom prst="ellipse">
+              <a:avLst/>
+            </a:prstGeom>
+            <a:solidFill>
+              <a:srgbClr val="CCFFFF"/>
+            </a:solidFill>
+            <a:ln w="9525">
+              <a:solidFill>
+                <a:schemeClr val="tx1"/>
+              </a:solidFill>
+              <a:round/>
+              <a:headEnd/>
+              <a:tailEnd/>
+            </a:ln>
+            <a:effectLst/>
+          </p:spPr>
+          <p:txBody>
+            <a:bodyPr wrap="none" anchor="ctr"/>
+            <a:lstStyle/>
+            <a:p>
+              <a:pPr algn="ctr"/>
+              <a:r>
+                <a:rPr lang="en-US" sz="1400" i="1" dirty="0">
+                  <a:latin typeface="+mn-lt"/>
+                </a:rPr>
+                <a:t>a</a:t>
+              </a:r>
+            </a:p>
+          </p:txBody>
+        </p:sp>
+        <p:sp>
+          <p:nvSpPr>
+            <p:cNvPr id="100" name="Line 22">
+              <a:extLst>
+                <a:ext uri="{FF2B5EF4-FFF2-40B4-BE49-F238E27FC236}">
+                  <a16:creationId xmlns:a16="http://schemas.microsoft.com/office/drawing/2014/main" id="{40F7EB15-95B2-AA49-8A8A-9C414E6C8EA6}"/>
+                </a:ext>
+              </a:extLst>
+            </p:cNvPr>
+            <p:cNvSpPr>
+              <a:spLocks noChangeShapeType="1"/>
+            </p:cNvSpPr>
+            <p:nvPr/>
+          </p:nvSpPr>
+          <p:spPr bwMode="auto">
+            <a:xfrm>
+              <a:off x="1251789" y="3753472"/>
+              <a:ext cx="879494" cy="0"/>
+            </a:xfrm>
+            <a:prstGeom prst="line">
+              <a:avLst/>
+            </a:prstGeom>
+            <a:noFill/>
+            <a:ln w="9525">
+              <a:solidFill>
+                <a:schemeClr val="tx1"/>
+              </a:solidFill>
+              <a:round/>
+              <a:headEnd/>
+              <a:tailEnd type="triangle" w="med" len="med"/>
+            </a:ln>
+            <a:effectLst/>
+          </p:spPr>
+          <p:txBody>
+            <a:bodyPr/>
+            <a:lstStyle/>
+            <a:p>
+              <a:endParaRPr lang="en-US" sz="1800">
+                <a:latin typeface="+mn-lt"/>
+              </a:endParaRPr>
+            </a:p>
+          </p:txBody>
+        </p:sp>
+        <p:sp>
+          <p:nvSpPr>
+            <p:cNvPr id="101" name="Text Box 45">
+              <a:extLst>
+                <a:ext uri="{FF2B5EF4-FFF2-40B4-BE49-F238E27FC236}">
+                  <a16:creationId xmlns:a16="http://schemas.microsoft.com/office/drawing/2014/main" id="{18190DD7-068D-2C44-8D4A-296319BBEFF0}"/>
+                </a:ext>
+              </a:extLst>
+            </p:cNvPr>
+            <p:cNvSpPr txBox="1">
+              <a:spLocks noChangeArrowheads="1"/>
+            </p:cNvSpPr>
+            <p:nvPr/>
+          </p:nvSpPr>
+          <p:spPr bwMode="auto">
+            <a:xfrm>
+              <a:off x="1582269" y="3641551"/>
+              <a:ext cx="293350" cy="215444"/>
+            </a:xfrm>
+            <a:prstGeom prst="rect">
+              <a:avLst/>
+            </a:prstGeom>
+            <a:solidFill>
+              <a:schemeClr val="bg1"/>
+            </a:solidFill>
+            <a:ln w="9525">
+              <a:noFill/>
+              <a:miter lim="800000"/>
+              <a:headEnd/>
+              <a:tailEnd/>
+            </a:ln>
+            <a:effectLst/>
+          </p:spPr>
+          <p:txBody>
+            <a:bodyPr wrap="none" lIns="0" tIns="0" rIns="0" bIns="0">
+              <a:spAutoFit/>
+            </a:bodyPr>
+            <a:lstStyle/>
+            <a:p>
+              <a:pPr>
+                <a:spcBef>
+                  <a:spcPct val="50000"/>
+                </a:spcBef>
+              </a:pPr>
+              <a:r>
+                <a:rPr lang="en-US" sz="1400" dirty="0">
+                  <a:latin typeface="+mn-lt"/>
+                </a:rPr>
+                <a:t>2,2</a:t>
+              </a:r>
+            </a:p>
+          </p:txBody>
+        </p:sp>
+        <p:sp>
+          <p:nvSpPr>
+            <p:cNvPr id="102" name="Oval 101">
+              <a:extLst>
+                <a:ext uri="{FF2B5EF4-FFF2-40B4-BE49-F238E27FC236}">
+                  <a16:creationId xmlns:a16="http://schemas.microsoft.com/office/drawing/2014/main" id="{A595FCEB-8BFB-6C49-AFC7-CE4D8B96EEB2}"/>
+                </a:ext>
+              </a:extLst>
+            </p:cNvPr>
+            <p:cNvSpPr>
+              <a:spLocks noChangeArrowheads="1"/>
+            </p:cNvSpPr>
+            <p:nvPr/>
+          </p:nvSpPr>
+          <p:spPr bwMode="auto">
+            <a:xfrm>
+              <a:off x="3274620" y="3617041"/>
+              <a:ext cx="263849" cy="272858"/>
+            </a:xfrm>
+            <a:prstGeom prst="ellipse">
+              <a:avLst/>
+            </a:prstGeom>
+            <a:solidFill>
+              <a:srgbClr val="CCFFFF"/>
+            </a:solidFill>
+            <a:ln w="9525">
+              <a:solidFill>
+                <a:schemeClr val="tx1"/>
+              </a:solidFill>
+              <a:round/>
+              <a:headEnd/>
+              <a:tailEnd/>
+            </a:ln>
+            <a:effectLst/>
+          </p:spPr>
+          <p:txBody>
+            <a:bodyPr wrap="none" anchor="ctr"/>
+            <a:lstStyle/>
+            <a:p>
+              <a:pPr algn="ctr"/>
+              <a:r>
+                <a:rPr lang="en-US" sz="1400" i="1" dirty="0">
+                  <a:latin typeface="+mn-lt"/>
+                </a:rPr>
+                <a:t>c</a:t>
+              </a:r>
+            </a:p>
+          </p:txBody>
+        </p:sp>
+        <p:sp>
+          <p:nvSpPr>
+            <p:cNvPr id="103" name="Line 22">
+              <a:extLst>
+                <a:ext uri="{FF2B5EF4-FFF2-40B4-BE49-F238E27FC236}">
+                  <a16:creationId xmlns:a16="http://schemas.microsoft.com/office/drawing/2014/main" id="{664F09F5-1397-3F47-9166-395DF0C9C44D}"/>
+                </a:ext>
+              </a:extLst>
+            </p:cNvPr>
+            <p:cNvSpPr>
+              <a:spLocks noChangeShapeType="1"/>
+            </p:cNvSpPr>
+            <p:nvPr/>
+          </p:nvSpPr>
+          <p:spPr bwMode="auto">
+            <a:xfrm>
+              <a:off x="2395129" y="3753472"/>
+              <a:ext cx="879494" cy="0"/>
+            </a:xfrm>
+            <a:prstGeom prst="line">
+              <a:avLst/>
+            </a:prstGeom>
+            <a:noFill/>
+            <a:ln w="9525">
+              <a:solidFill>
+                <a:schemeClr val="tx1"/>
+              </a:solidFill>
+              <a:round/>
+              <a:headEnd/>
+              <a:tailEnd type="triangle" w="med" len="med"/>
+            </a:ln>
+            <a:effectLst/>
+          </p:spPr>
+          <p:txBody>
+            <a:bodyPr/>
+            <a:lstStyle/>
+            <a:p>
+              <a:endParaRPr lang="en-US" sz="1800">
+                <a:latin typeface="+mn-lt"/>
+              </a:endParaRPr>
+            </a:p>
+          </p:txBody>
+        </p:sp>
+        <p:sp>
+          <p:nvSpPr>
+            <p:cNvPr id="104" name="Text Box 45">
+              <a:extLst>
+                <a:ext uri="{FF2B5EF4-FFF2-40B4-BE49-F238E27FC236}">
+                  <a16:creationId xmlns:a16="http://schemas.microsoft.com/office/drawing/2014/main" id="{9C6334CA-DAF6-A941-A5CD-40EAF34311C6}"/>
+                </a:ext>
+              </a:extLst>
+            </p:cNvPr>
+            <p:cNvSpPr txBox="1">
+              <a:spLocks noChangeArrowheads="1"/>
+            </p:cNvSpPr>
+            <p:nvPr/>
+          </p:nvSpPr>
+          <p:spPr bwMode="auto">
+            <a:xfrm>
+              <a:off x="2725609" y="3641551"/>
+              <a:ext cx="293350" cy="215444"/>
+            </a:xfrm>
+            <a:prstGeom prst="rect">
+              <a:avLst/>
+            </a:prstGeom>
+            <a:solidFill>
+              <a:schemeClr val="bg1"/>
+            </a:solidFill>
+            <a:ln w="9525">
+              <a:noFill/>
+              <a:miter lim="800000"/>
+              <a:headEnd/>
+              <a:tailEnd/>
+            </a:ln>
+            <a:effectLst/>
+          </p:spPr>
+          <p:txBody>
+            <a:bodyPr wrap="none" lIns="0" tIns="0" rIns="0" bIns="0">
+              <a:spAutoFit/>
+            </a:bodyPr>
+            <a:lstStyle/>
+            <a:p>
+              <a:pPr>
+                <a:spcBef>
+                  <a:spcPct val="50000"/>
+                </a:spcBef>
+              </a:pPr>
+              <a:r>
+                <a:rPr lang="en-US" sz="1400" dirty="0">
+                  <a:latin typeface="+mn-lt"/>
+                </a:rPr>
+                <a:t>2,2</a:t>
+              </a:r>
+            </a:p>
+          </p:txBody>
+        </p:sp>
+        <p:sp>
+          <p:nvSpPr>
+            <p:cNvPr id="105" name="Oval 104">
+              <a:extLst>
+                <a:ext uri="{FF2B5EF4-FFF2-40B4-BE49-F238E27FC236}">
+                  <a16:creationId xmlns:a16="http://schemas.microsoft.com/office/drawing/2014/main" id="{E89B448A-32AC-1440-B50A-AD543D837723}"/>
+                </a:ext>
+              </a:extLst>
+            </p:cNvPr>
+            <p:cNvSpPr>
+              <a:spLocks noChangeArrowheads="1"/>
+            </p:cNvSpPr>
+            <p:nvPr/>
+          </p:nvSpPr>
+          <p:spPr bwMode="auto">
+            <a:xfrm>
+              <a:off x="4417960" y="3628022"/>
+              <a:ext cx="263849" cy="272858"/>
+            </a:xfrm>
+            <a:prstGeom prst="ellipse">
+              <a:avLst/>
+            </a:prstGeom>
+            <a:solidFill>
+              <a:srgbClr val="CCFFFF"/>
+            </a:solidFill>
+            <a:ln w="9525">
+              <a:solidFill>
+                <a:schemeClr val="tx1"/>
+              </a:solidFill>
+              <a:round/>
+              <a:headEnd/>
+              <a:tailEnd/>
+            </a:ln>
+            <a:effectLst/>
+          </p:spPr>
+          <p:txBody>
+            <a:bodyPr wrap="none" anchor="ctr"/>
+            <a:lstStyle/>
+            <a:p>
+              <a:pPr algn="ctr"/>
+              <a:r>
+                <a:rPr lang="en-US" sz="1400" i="1" dirty="0">
+                  <a:latin typeface="+mn-lt"/>
+                </a:rPr>
+                <a:t>d</a:t>
+              </a:r>
+            </a:p>
+          </p:txBody>
+        </p:sp>
+        <p:sp>
+          <p:nvSpPr>
+            <p:cNvPr id="106" name="Line 22">
+              <a:extLst>
+                <a:ext uri="{FF2B5EF4-FFF2-40B4-BE49-F238E27FC236}">
+                  <a16:creationId xmlns:a16="http://schemas.microsoft.com/office/drawing/2014/main" id="{9E88E9E5-1A7B-F441-8D56-B3181608A2D1}"/>
+                </a:ext>
+              </a:extLst>
+            </p:cNvPr>
+            <p:cNvSpPr>
+              <a:spLocks noChangeShapeType="1"/>
+            </p:cNvSpPr>
+            <p:nvPr/>
+          </p:nvSpPr>
+          <p:spPr bwMode="auto">
+            <a:xfrm>
+              <a:off x="3538469" y="3764453"/>
+              <a:ext cx="879494" cy="0"/>
+            </a:xfrm>
+            <a:prstGeom prst="line">
+              <a:avLst/>
+            </a:prstGeom>
+            <a:noFill/>
+            <a:ln w="9525">
+              <a:solidFill>
+                <a:schemeClr val="tx1"/>
+              </a:solidFill>
+              <a:round/>
+              <a:headEnd/>
+              <a:tailEnd type="triangle" w="med" len="med"/>
+            </a:ln>
+            <a:effectLst/>
+          </p:spPr>
+          <p:txBody>
+            <a:bodyPr/>
+            <a:lstStyle/>
+            <a:p>
+              <a:endParaRPr lang="en-US" sz="1800">
+                <a:latin typeface="+mn-lt"/>
+              </a:endParaRPr>
+            </a:p>
+          </p:txBody>
+        </p:sp>
+        <p:sp>
+          <p:nvSpPr>
+            <p:cNvPr id="107" name="Text Box 45">
+              <a:extLst>
+                <a:ext uri="{FF2B5EF4-FFF2-40B4-BE49-F238E27FC236}">
+                  <a16:creationId xmlns:a16="http://schemas.microsoft.com/office/drawing/2014/main" id="{B4902327-1DD3-CD49-9F07-5516DE487E28}"/>
+                </a:ext>
+              </a:extLst>
+            </p:cNvPr>
+            <p:cNvSpPr txBox="1">
+              <a:spLocks noChangeArrowheads="1"/>
+            </p:cNvSpPr>
+            <p:nvPr/>
+          </p:nvSpPr>
+          <p:spPr bwMode="auto">
+            <a:xfrm>
+              <a:off x="3868949" y="3652532"/>
+              <a:ext cx="293350" cy="215444"/>
+            </a:xfrm>
+            <a:prstGeom prst="rect">
+              <a:avLst/>
+            </a:prstGeom>
+            <a:solidFill>
+              <a:schemeClr val="bg1"/>
+            </a:solidFill>
+            <a:ln w="9525">
+              <a:noFill/>
+              <a:miter lim="800000"/>
+              <a:headEnd/>
+              <a:tailEnd/>
+            </a:ln>
+            <a:effectLst/>
+          </p:spPr>
+          <p:txBody>
+            <a:bodyPr wrap="none" lIns="0" tIns="0" rIns="0" bIns="0">
+              <a:spAutoFit/>
+            </a:bodyPr>
+            <a:lstStyle/>
+            <a:p>
+              <a:pPr>
+                <a:spcBef>
+                  <a:spcPct val="50000"/>
+                </a:spcBef>
+              </a:pPr>
+              <a:r>
+                <a:rPr lang="en-US" sz="1400" dirty="0">
+                  <a:latin typeface="+mn-lt"/>
+                </a:rPr>
+                <a:t>2,2</a:t>
+              </a:r>
+            </a:p>
+          </p:txBody>
+        </p:sp>
+        <p:sp>
+          <p:nvSpPr>
+            <p:cNvPr id="108" name="Oval 107">
+              <a:extLst>
+                <a:ext uri="{FF2B5EF4-FFF2-40B4-BE49-F238E27FC236}">
+                  <a16:creationId xmlns:a16="http://schemas.microsoft.com/office/drawing/2014/main" id="{C5A38CB1-B5E7-C647-B86E-4FEE26689FCC}"/>
+                </a:ext>
+              </a:extLst>
+            </p:cNvPr>
+            <p:cNvSpPr>
+              <a:spLocks noChangeArrowheads="1"/>
+            </p:cNvSpPr>
+            <p:nvPr/>
+          </p:nvSpPr>
+          <p:spPr bwMode="auto">
+            <a:xfrm>
+              <a:off x="5553115" y="3628022"/>
+              <a:ext cx="263849" cy="272858"/>
+            </a:xfrm>
+            <a:prstGeom prst="ellipse">
+              <a:avLst/>
+            </a:prstGeom>
+            <a:solidFill>
+              <a:srgbClr val="CCFFFF"/>
+            </a:solidFill>
+            <a:ln w="9525">
+              <a:solidFill>
+                <a:schemeClr val="tx1"/>
+              </a:solidFill>
+              <a:round/>
+              <a:headEnd/>
+              <a:tailEnd/>
+            </a:ln>
+            <a:effectLst/>
+          </p:spPr>
+          <p:txBody>
+            <a:bodyPr wrap="none" anchor="ctr"/>
+            <a:lstStyle/>
+            <a:p>
+              <a:pPr algn="ctr"/>
+              <a:r>
+                <a:rPr lang="en-US" sz="1400" i="1" dirty="0">
+                  <a:latin typeface="+mn-lt"/>
+                </a:rPr>
+                <a:t>e</a:t>
+              </a:r>
+            </a:p>
+          </p:txBody>
+        </p:sp>
+        <p:sp>
+          <p:nvSpPr>
+            <p:cNvPr id="109" name="Line 22">
+              <a:extLst>
+                <a:ext uri="{FF2B5EF4-FFF2-40B4-BE49-F238E27FC236}">
+                  <a16:creationId xmlns:a16="http://schemas.microsoft.com/office/drawing/2014/main" id="{285371AB-71AE-2147-AB68-6E2383FCCB26}"/>
+                </a:ext>
+              </a:extLst>
+            </p:cNvPr>
+            <p:cNvSpPr>
+              <a:spLocks noChangeShapeType="1"/>
+            </p:cNvSpPr>
+            <p:nvPr/>
+          </p:nvSpPr>
+          <p:spPr bwMode="auto">
+            <a:xfrm>
+              <a:off x="4673624" y="3764453"/>
+              <a:ext cx="879494" cy="0"/>
+            </a:xfrm>
+            <a:prstGeom prst="line">
+              <a:avLst/>
+            </a:prstGeom>
+            <a:noFill/>
+            <a:ln w="9525">
+              <a:solidFill>
+                <a:schemeClr val="tx1"/>
+              </a:solidFill>
+              <a:round/>
+              <a:headEnd/>
+              <a:tailEnd type="triangle" w="med" len="med"/>
+            </a:ln>
+            <a:effectLst/>
+          </p:spPr>
+          <p:txBody>
+            <a:bodyPr/>
+            <a:lstStyle/>
+            <a:p>
+              <a:endParaRPr lang="en-US" sz="1800">
+                <a:latin typeface="+mn-lt"/>
+              </a:endParaRPr>
+            </a:p>
+          </p:txBody>
+        </p:sp>
+        <p:sp>
+          <p:nvSpPr>
+            <p:cNvPr id="110" name="Text Box 45">
+              <a:extLst>
+                <a:ext uri="{FF2B5EF4-FFF2-40B4-BE49-F238E27FC236}">
+                  <a16:creationId xmlns:a16="http://schemas.microsoft.com/office/drawing/2014/main" id="{11DCDB9E-2CDD-344A-85D0-C37DC3870A4D}"/>
+                </a:ext>
+              </a:extLst>
+            </p:cNvPr>
+            <p:cNvSpPr txBox="1">
+              <a:spLocks noChangeArrowheads="1"/>
+            </p:cNvSpPr>
+            <p:nvPr/>
+          </p:nvSpPr>
+          <p:spPr bwMode="auto">
+            <a:xfrm>
+              <a:off x="5004104" y="3652532"/>
+              <a:ext cx="307777" cy="215444"/>
+            </a:xfrm>
+            <a:prstGeom prst="rect">
+              <a:avLst/>
+            </a:prstGeom>
+            <a:solidFill>
+              <a:schemeClr val="bg1"/>
+            </a:solidFill>
+            <a:ln w="9525">
+              <a:noFill/>
+              <a:miter lim="800000"/>
+              <a:headEnd/>
+              <a:tailEnd/>
+            </a:ln>
+            <a:effectLst/>
+          </p:spPr>
+          <p:txBody>
+            <a:bodyPr wrap="none" lIns="0" tIns="0" rIns="0" bIns="0">
+              <a:spAutoFit/>
+            </a:bodyPr>
+            <a:lstStyle/>
+            <a:p>
+              <a:pPr>
+                <a:spcBef>
+                  <a:spcPct val="50000"/>
+                </a:spcBef>
+              </a:pPr>
+              <a:r>
+                <a:rPr lang="en-US" sz="1400" dirty="0">
+                  <a:latin typeface="+mn-lt"/>
+                </a:rPr>
+                <a:t>2,</a:t>
+              </a:r>
+              <a:r>
+                <a:rPr lang="en-US" sz="1400" b="1" dirty="0">
+                  <a:latin typeface="+mn-lt"/>
+                </a:rPr>
+                <a:t>1</a:t>
+              </a:r>
+            </a:p>
+          </p:txBody>
+        </p:sp>
+        <p:sp>
+          <p:nvSpPr>
+            <p:cNvPr id="111" name="Oval 110">
+              <a:extLst>
+                <a:ext uri="{FF2B5EF4-FFF2-40B4-BE49-F238E27FC236}">
+                  <a16:creationId xmlns:a16="http://schemas.microsoft.com/office/drawing/2014/main" id="{C869041C-CD17-354B-A7EC-9FD1F75450EF}"/>
+                </a:ext>
+              </a:extLst>
+            </p:cNvPr>
+            <p:cNvSpPr>
+              <a:spLocks noChangeArrowheads="1"/>
+            </p:cNvSpPr>
+            <p:nvPr/>
+          </p:nvSpPr>
+          <p:spPr bwMode="auto">
+            <a:xfrm>
+              <a:off x="6704636" y="3628022"/>
+              <a:ext cx="263849" cy="272858"/>
+            </a:xfrm>
+            <a:prstGeom prst="ellipse">
+              <a:avLst/>
+            </a:prstGeom>
+            <a:solidFill>
+              <a:srgbClr val="CCFFFF"/>
+            </a:solidFill>
+            <a:ln w="9525">
+              <a:solidFill>
+                <a:schemeClr val="tx1"/>
+              </a:solidFill>
+              <a:round/>
+              <a:headEnd/>
+              <a:tailEnd/>
+            </a:ln>
+            <a:effectLst/>
+          </p:spPr>
+          <p:txBody>
+            <a:bodyPr wrap="none" anchor="ctr"/>
+            <a:lstStyle/>
+            <a:p>
+              <a:pPr algn="ctr"/>
+              <a:r>
+                <a:rPr lang="en-US" sz="1400" i="1" dirty="0">
+                  <a:latin typeface="+mn-lt"/>
+                </a:rPr>
+                <a:t>f</a:t>
+              </a:r>
+            </a:p>
+          </p:txBody>
+        </p:sp>
+        <p:sp>
+          <p:nvSpPr>
+            <p:cNvPr id="112" name="Line 22">
+              <a:extLst>
+                <a:ext uri="{FF2B5EF4-FFF2-40B4-BE49-F238E27FC236}">
+                  <a16:creationId xmlns:a16="http://schemas.microsoft.com/office/drawing/2014/main" id="{96CBF62D-1D83-BF48-A164-44CADB2E8A6F}"/>
+                </a:ext>
+              </a:extLst>
+            </p:cNvPr>
+            <p:cNvSpPr>
+              <a:spLocks noChangeShapeType="1"/>
+            </p:cNvSpPr>
+            <p:nvPr/>
+          </p:nvSpPr>
+          <p:spPr bwMode="auto">
+            <a:xfrm>
+              <a:off x="5825145" y="3764453"/>
+              <a:ext cx="879494" cy="0"/>
+            </a:xfrm>
+            <a:prstGeom prst="line">
+              <a:avLst/>
+            </a:prstGeom>
+            <a:noFill/>
+            <a:ln w="9525">
+              <a:solidFill>
+                <a:schemeClr val="tx1"/>
+              </a:solidFill>
+              <a:round/>
+              <a:headEnd/>
+              <a:tailEnd type="triangle" w="med" len="med"/>
+            </a:ln>
+            <a:effectLst/>
+          </p:spPr>
+          <p:txBody>
+            <a:bodyPr/>
+            <a:lstStyle/>
+            <a:p>
+              <a:endParaRPr lang="en-US" sz="1800">
+                <a:latin typeface="+mn-lt"/>
+              </a:endParaRPr>
+            </a:p>
+          </p:txBody>
+        </p:sp>
+        <p:sp>
+          <p:nvSpPr>
+            <p:cNvPr id="113" name="Text Box 45">
+              <a:extLst>
+                <a:ext uri="{FF2B5EF4-FFF2-40B4-BE49-F238E27FC236}">
+                  <a16:creationId xmlns:a16="http://schemas.microsoft.com/office/drawing/2014/main" id="{D07A0C65-5373-2641-AFFA-139D27C7F20A}"/>
+                </a:ext>
+              </a:extLst>
+            </p:cNvPr>
+            <p:cNvSpPr txBox="1">
+              <a:spLocks noChangeArrowheads="1"/>
+            </p:cNvSpPr>
+            <p:nvPr/>
+          </p:nvSpPr>
+          <p:spPr bwMode="auto">
+            <a:xfrm>
+              <a:off x="6155625" y="3652532"/>
+              <a:ext cx="293350" cy="215444"/>
+            </a:xfrm>
+            <a:prstGeom prst="rect">
+              <a:avLst/>
+            </a:prstGeom>
+            <a:solidFill>
+              <a:schemeClr val="bg1"/>
+            </a:solidFill>
+            <a:ln w="9525">
+              <a:noFill/>
+              <a:miter lim="800000"/>
+              <a:headEnd/>
+              <a:tailEnd/>
+            </a:ln>
+            <a:effectLst/>
+          </p:spPr>
+          <p:txBody>
+            <a:bodyPr wrap="none" lIns="0" tIns="0" rIns="0" bIns="0">
+              <a:spAutoFit/>
+            </a:bodyPr>
+            <a:lstStyle/>
+            <a:p>
+              <a:pPr>
+                <a:spcBef>
+                  <a:spcPct val="50000"/>
+                </a:spcBef>
+              </a:pPr>
+              <a:r>
+                <a:rPr lang="en-US" sz="1400" dirty="0">
+                  <a:latin typeface="+mn-lt"/>
+                </a:rPr>
+                <a:t>1,1</a:t>
+              </a:r>
+            </a:p>
+          </p:txBody>
+        </p:sp>
+        <p:sp>
+          <p:nvSpPr>
+            <p:cNvPr id="114" name="Text Box 37">
+              <a:extLst>
+                <a:ext uri="{FF2B5EF4-FFF2-40B4-BE49-F238E27FC236}">
+                  <a16:creationId xmlns:a16="http://schemas.microsoft.com/office/drawing/2014/main" id="{8B241EEA-E5C6-5946-A609-0836380FD680}"/>
+                </a:ext>
+              </a:extLst>
+            </p:cNvPr>
+            <p:cNvSpPr txBox="1">
+              <a:spLocks noChangeArrowheads="1"/>
+            </p:cNvSpPr>
+            <p:nvPr/>
+          </p:nvSpPr>
+          <p:spPr bwMode="auto">
+            <a:xfrm>
+              <a:off x="5628132" y="3908500"/>
+              <a:ext cx="128240" cy="215444"/>
+            </a:xfrm>
+            <a:prstGeom prst="rect">
+              <a:avLst/>
+            </a:prstGeom>
+            <a:noFill/>
+            <a:ln w="9525">
+              <a:noFill/>
+              <a:miter lim="800000"/>
+              <a:headEnd/>
+              <a:tailEnd/>
+            </a:ln>
+            <a:effectLst/>
+          </p:spPr>
+          <p:txBody>
+            <a:bodyPr wrap="none" lIns="0" tIns="0" rIns="0" bIns="0">
+              <a:spAutoFit/>
+            </a:bodyPr>
+            <a:lstStyle/>
+            <a:p>
+              <a:pPr>
+                <a:spcBef>
+                  <a:spcPct val="50000"/>
+                </a:spcBef>
+              </a:pPr>
+              <a:r>
+                <a:rPr lang="en-US" sz="1400" b="1" dirty="0">
+                  <a:latin typeface="+mn-lt"/>
+                </a:rPr>
+                <a:t>6</a:t>
+              </a:r>
+            </a:p>
+          </p:txBody>
+        </p:sp>
+        <p:sp>
+          <p:nvSpPr>
+            <p:cNvPr id="115" name="Text Box 37">
+              <a:extLst>
+                <a:ext uri="{FF2B5EF4-FFF2-40B4-BE49-F238E27FC236}">
+                  <a16:creationId xmlns:a16="http://schemas.microsoft.com/office/drawing/2014/main" id="{52E8C5D3-BBAD-E447-809C-FA93CDC4FC59}"/>
+                </a:ext>
+              </a:extLst>
+            </p:cNvPr>
+            <p:cNvSpPr txBox="1">
+              <a:spLocks noChangeArrowheads="1"/>
+            </p:cNvSpPr>
+            <p:nvPr/>
+          </p:nvSpPr>
+          <p:spPr bwMode="auto">
+            <a:xfrm>
+              <a:off x="4485651" y="3908500"/>
+              <a:ext cx="113814" cy="215444"/>
+            </a:xfrm>
+            <a:prstGeom prst="rect">
+              <a:avLst/>
+            </a:prstGeom>
+            <a:noFill/>
+            <a:ln w="9525">
+              <a:noFill/>
+              <a:miter lim="800000"/>
+              <a:headEnd/>
+              <a:tailEnd/>
+            </a:ln>
+            <a:effectLst/>
+          </p:spPr>
+          <p:txBody>
+            <a:bodyPr wrap="none" lIns="0" tIns="0" rIns="0" bIns="0">
+              <a:spAutoFit/>
+            </a:bodyPr>
+            <a:lstStyle/>
+            <a:p>
+              <a:pPr>
+                <a:spcBef>
+                  <a:spcPct val="50000"/>
+                </a:spcBef>
+              </a:pPr>
+              <a:r>
+                <a:rPr lang="en-US" sz="1400" dirty="0">
+                  <a:latin typeface="+mn-lt"/>
+                </a:rPr>
+                <a:t>5</a:t>
+              </a:r>
+            </a:p>
+          </p:txBody>
+        </p:sp>
+        <p:sp>
+          <p:nvSpPr>
+            <p:cNvPr id="116" name="Text Box 37">
+              <a:extLst>
+                <a:ext uri="{FF2B5EF4-FFF2-40B4-BE49-F238E27FC236}">
+                  <a16:creationId xmlns:a16="http://schemas.microsoft.com/office/drawing/2014/main" id="{E8294D21-8867-D946-BD7D-C3478075A856}"/>
+                </a:ext>
+              </a:extLst>
+            </p:cNvPr>
+            <p:cNvSpPr txBox="1">
+              <a:spLocks noChangeArrowheads="1"/>
+            </p:cNvSpPr>
+            <p:nvPr/>
+          </p:nvSpPr>
+          <p:spPr bwMode="auto">
+            <a:xfrm>
+              <a:off x="3323346" y="3908500"/>
+              <a:ext cx="113814" cy="215444"/>
+            </a:xfrm>
+            <a:prstGeom prst="rect">
+              <a:avLst/>
+            </a:prstGeom>
+            <a:noFill/>
+            <a:ln w="9525">
+              <a:noFill/>
+              <a:miter lim="800000"/>
+              <a:headEnd/>
+              <a:tailEnd/>
+            </a:ln>
+            <a:effectLst/>
+          </p:spPr>
+          <p:txBody>
+            <a:bodyPr wrap="none" lIns="0" tIns="0" rIns="0" bIns="0">
+              <a:spAutoFit/>
+            </a:bodyPr>
+            <a:lstStyle/>
+            <a:p>
+              <a:pPr>
+                <a:spcBef>
+                  <a:spcPct val="50000"/>
+                </a:spcBef>
+              </a:pPr>
+              <a:r>
+                <a:rPr lang="en-US" sz="1400" dirty="0">
+                  <a:latin typeface="+mn-lt"/>
+                </a:rPr>
+                <a:t>6</a:t>
+              </a:r>
+            </a:p>
+          </p:txBody>
+        </p:sp>
+        <p:sp>
+          <p:nvSpPr>
+            <p:cNvPr id="117" name="Text Box 37">
+              <a:extLst>
+                <a:ext uri="{FF2B5EF4-FFF2-40B4-BE49-F238E27FC236}">
+                  <a16:creationId xmlns:a16="http://schemas.microsoft.com/office/drawing/2014/main" id="{5B3E39B0-EA72-E646-83DA-A3723315276D}"/>
+                </a:ext>
+              </a:extLst>
+            </p:cNvPr>
+            <p:cNvSpPr txBox="1">
+              <a:spLocks noChangeArrowheads="1"/>
+            </p:cNvSpPr>
+            <p:nvPr/>
+          </p:nvSpPr>
+          <p:spPr bwMode="auto">
+            <a:xfrm>
+              <a:off x="2198117" y="3899885"/>
+              <a:ext cx="113814" cy="215444"/>
+            </a:xfrm>
+            <a:prstGeom prst="rect">
+              <a:avLst/>
+            </a:prstGeom>
+            <a:noFill/>
+            <a:ln w="9525">
+              <a:noFill/>
+              <a:miter lim="800000"/>
+              <a:headEnd/>
+              <a:tailEnd/>
+            </a:ln>
+            <a:effectLst/>
+          </p:spPr>
+          <p:txBody>
+            <a:bodyPr wrap="none" lIns="0" tIns="0" rIns="0" bIns="0">
+              <a:spAutoFit/>
+            </a:bodyPr>
+            <a:lstStyle/>
+            <a:p>
+              <a:pPr>
+                <a:spcBef>
+                  <a:spcPct val="50000"/>
+                </a:spcBef>
+              </a:pPr>
+              <a:r>
+                <a:rPr lang="en-US" sz="1400" dirty="0">
+                  <a:latin typeface="+mn-lt"/>
+                </a:rPr>
+                <a:t>7</a:t>
+              </a:r>
+            </a:p>
+          </p:txBody>
+        </p:sp>
+        <p:sp>
+          <p:nvSpPr>
+            <p:cNvPr id="118" name="Text Box 37">
+              <a:extLst>
+                <a:ext uri="{FF2B5EF4-FFF2-40B4-BE49-F238E27FC236}">
+                  <a16:creationId xmlns:a16="http://schemas.microsoft.com/office/drawing/2014/main" id="{4D7545C4-079C-7642-8A0E-5E9D45227546}"/>
+                </a:ext>
+              </a:extLst>
+            </p:cNvPr>
+            <p:cNvSpPr txBox="1">
+              <a:spLocks noChangeArrowheads="1"/>
+            </p:cNvSpPr>
+            <p:nvPr/>
+          </p:nvSpPr>
+          <p:spPr bwMode="auto">
+            <a:xfrm>
+              <a:off x="1062958" y="3908500"/>
+              <a:ext cx="113814" cy="215444"/>
+            </a:xfrm>
+            <a:prstGeom prst="rect">
+              <a:avLst/>
+            </a:prstGeom>
+            <a:noFill/>
+            <a:ln w="9525">
+              <a:noFill/>
+              <a:miter lim="800000"/>
+              <a:headEnd/>
+              <a:tailEnd/>
+            </a:ln>
+            <a:effectLst/>
+          </p:spPr>
+          <p:txBody>
+            <a:bodyPr wrap="none" lIns="0" tIns="0" rIns="0" bIns="0">
+              <a:spAutoFit/>
+            </a:bodyPr>
+            <a:lstStyle/>
+            <a:p>
+              <a:pPr>
+                <a:spcBef>
+                  <a:spcPct val="50000"/>
+                </a:spcBef>
+              </a:pPr>
+              <a:r>
+                <a:rPr lang="en-US" sz="1400" dirty="0">
+                  <a:latin typeface="+mn-lt"/>
+                </a:rPr>
+                <a:t>8</a:t>
+              </a:r>
+            </a:p>
+          </p:txBody>
+        </p:sp>
+      </p:grpSp>
+      <p:grpSp>
+        <p:nvGrpSpPr>
+          <p:cNvPr id="119" name="Group 118">
+            <a:extLst>
+              <a:ext uri="{FF2B5EF4-FFF2-40B4-BE49-F238E27FC236}">
+                <a16:creationId xmlns:a16="http://schemas.microsoft.com/office/drawing/2014/main" id="{9CDA92D4-8596-6B46-AE35-B2657CE277FA}"/>
+              </a:ext>
+            </a:extLst>
+          </p:cNvPr>
+          <p:cNvGrpSpPr/>
+          <p:nvPr/>
+        </p:nvGrpSpPr>
+        <p:grpSpPr>
+          <a:xfrm>
+            <a:off x="1006268" y="2922097"/>
+            <a:ext cx="5980544" cy="506903"/>
+            <a:chOff x="987941" y="3617041"/>
+            <a:chExt cx="5980544" cy="506903"/>
+          </a:xfrm>
+        </p:grpSpPr>
+        <p:sp>
+          <p:nvSpPr>
+            <p:cNvPr id="120" name="Text Box 37">
+              <a:extLst>
+                <a:ext uri="{FF2B5EF4-FFF2-40B4-BE49-F238E27FC236}">
+                  <a16:creationId xmlns:a16="http://schemas.microsoft.com/office/drawing/2014/main" id="{69D3EA66-B1CC-E144-A1C2-DB88E8BB55E1}"/>
+                </a:ext>
+              </a:extLst>
+            </p:cNvPr>
+            <p:cNvSpPr txBox="1">
+              <a:spLocks noChangeArrowheads="1"/>
+            </p:cNvSpPr>
+            <p:nvPr/>
+          </p:nvSpPr>
+          <p:spPr bwMode="auto">
+            <a:xfrm>
+              <a:off x="6779653" y="3908500"/>
+              <a:ext cx="113814" cy="215444"/>
+            </a:xfrm>
+            <a:prstGeom prst="rect">
+              <a:avLst/>
+            </a:prstGeom>
+            <a:noFill/>
+            <a:ln w="9525">
+              <a:noFill/>
+              <a:miter lim="800000"/>
+              <a:headEnd/>
+              <a:tailEnd/>
+            </a:ln>
+            <a:effectLst/>
+          </p:spPr>
+          <p:txBody>
+            <a:bodyPr wrap="none" lIns="0" tIns="0" rIns="0" bIns="0">
+              <a:spAutoFit/>
+            </a:bodyPr>
+            <a:lstStyle/>
+            <a:p>
+              <a:pPr>
+                <a:spcBef>
+                  <a:spcPct val="50000"/>
+                </a:spcBef>
+              </a:pPr>
+              <a:r>
+                <a:rPr lang="en-US" sz="1400" dirty="0">
+                  <a:latin typeface="+mn-lt"/>
+                </a:rPr>
+                <a:t>3</a:t>
+              </a:r>
+            </a:p>
+          </p:txBody>
+        </p:sp>
+        <p:sp>
+          <p:nvSpPr>
+            <p:cNvPr id="121" name="Oval 120">
+              <a:extLst>
+                <a:ext uri="{FF2B5EF4-FFF2-40B4-BE49-F238E27FC236}">
+                  <a16:creationId xmlns:a16="http://schemas.microsoft.com/office/drawing/2014/main" id="{CC5DB658-C6C8-5945-9490-EEA2510E30C4}"/>
+                </a:ext>
+              </a:extLst>
+            </p:cNvPr>
+            <p:cNvSpPr>
+              <a:spLocks noChangeArrowheads="1"/>
+            </p:cNvSpPr>
+            <p:nvPr/>
+          </p:nvSpPr>
+          <p:spPr bwMode="auto">
+            <a:xfrm>
+              <a:off x="2131280" y="3617041"/>
+              <a:ext cx="263849" cy="272858"/>
+            </a:xfrm>
+            <a:prstGeom prst="ellipse">
+              <a:avLst/>
+            </a:prstGeom>
+            <a:solidFill>
+              <a:srgbClr val="CCFFFF"/>
+            </a:solidFill>
+            <a:ln w="9525">
+              <a:solidFill>
+                <a:schemeClr val="tx1"/>
+              </a:solidFill>
+              <a:round/>
+              <a:headEnd/>
+              <a:tailEnd/>
+            </a:ln>
+            <a:effectLst/>
+          </p:spPr>
+          <p:txBody>
+            <a:bodyPr wrap="none" anchor="ctr"/>
+            <a:lstStyle/>
+            <a:p>
+              <a:pPr algn="ctr"/>
+              <a:r>
+                <a:rPr lang="en-US" sz="1400" i="1" dirty="0">
+                  <a:latin typeface="+mn-lt"/>
+                </a:rPr>
+                <a:t>b</a:t>
+              </a:r>
+            </a:p>
+          </p:txBody>
+        </p:sp>
+        <p:sp>
+          <p:nvSpPr>
+            <p:cNvPr id="122" name="Oval 121">
+              <a:extLst>
+                <a:ext uri="{FF2B5EF4-FFF2-40B4-BE49-F238E27FC236}">
+                  <a16:creationId xmlns:a16="http://schemas.microsoft.com/office/drawing/2014/main" id="{E1A3FD78-1FE7-AD40-8CA8-A1D3C0C7D910}"/>
+                </a:ext>
+              </a:extLst>
+            </p:cNvPr>
+            <p:cNvSpPr>
+              <a:spLocks noChangeArrowheads="1"/>
+            </p:cNvSpPr>
+            <p:nvPr/>
+          </p:nvSpPr>
+          <p:spPr bwMode="auto">
+            <a:xfrm>
+              <a:off x="987941" y="3617041"/>
+              <a:ext cx="263849" cy="272858"/>
+            </a:xfrm>
+            <a:prstGeom prst="ellipse">
+              <a:avLst/>
+            </a:prstGeom>
+            <a:solidFill>
+              <a:srgbClr val="CCFFFF"/>
+            </a:solidFill>
+            <a:ln w="9525">
+              <a:solidFill>
+                <a:schemeClr val="tx1"/>
+              </a:solidFill>
+              <a:round/>
+              <a:headEnd/>
+              <a:tailEnd/>
+            </a:ln>
+            <a:effectLst/>
+          </p:spPr>
+          <p:txBody>
+            <a:bodyPr wrap="none" anchor="ctr"/>
+            <a:lstStyle/>
+            <a:p>
+              <a:pPr algn="ctr"/>
+              <a:r>
+                <a:rPr lang="en-US" sz="1400" i="1" dirty="0">
+                  <a:latin typeface="+mn-lt"/>
+                </a:rPr>
+                <a:t>a</a:t>
+              </a:r>
+            </a:p>
+          </p:txBody>
+        </p:sp>
+        <p:sp>
+          <p:nvSpPr>
+            <p:cNvPr id="123" name="Line 22">
+              <a:extLst>
+                <a:ext uri="{FF2B5EF4-FFF2-40B4-BE49-F238E27FC236}">
+                  <a16:creationId xmlns:a16="http://schemas.microsoft.com/office/drawing/2014/main" id="{5F25A3BB-38C2-C34A-A8DD-07CAD657D72E}"/>
+                </a:ext>
+              </a:extLst>
+            </p:cNvPr>
+            <p:cNvSpPr>
+              <a:spLocks noChangeShapeType="1"/>
+            </p:cNvSpPr>
+            <p:nvPr/>
+          </p:nvSpPr>
+          <p:spPr bwMode="auto">
+            <a:xfrm>
+              <a:off x="1251789" y="3753472"/>
+              <a:ext cx="879494" cy="0"/>
+            </a:xfrm>
+            <a:prstGeom prst="line">
+              <a:avLst/>
+            </a:prstGeom>
+            <a:noFill/>
+            <a:ln w="9525">
+              <a:solidFill>
+                <a:schemeClr val="tx1"/>
+              </a:solidFill>
+              <a:round/>
+              <a:headEnd/>
+              <a:tailEnd type="triangle" w="med" len="med"/>
+            </a:ln>
+            <a:effectLst/>
+          </p:spPr>
+          <p:txBody>
+            <a:bodyPr/>
+            <a:lstStyle/>
+            <a:p>
+              <a:endParaRPr lang="en-US" sz="1800">
+                <a:latin typeface="+mn-lt"/>
+              </a:endParaRPr>
+            </a:p>
+          </p:txBody>
+        </p:sp>
+        <p:sp>
+          <p:nvSpPr>
+            <p:cNvPr id="124" name="Text Box 45">
+              <a:extLst>
+                <a:ext uri="{FF2B5EF4-FFF2-40B4-BE49-F238E27FC236}">
+                  <a16:creationId xmlns:a16="http://schemas.microsoft.com/office/drawing/2014/main" id="{2C0C5D6B-A931-074B-897C-620C1A862EF3}"/>
+                </a:ext>
+              </a:extLst>
+            </p:cNvPr>
+            <p:cNvSpPr txBox="1">
+              <a:spLocks noChangeArrowheads="1"/>
+            </p:cNvSpPr>
+            <p:nvPr/>
+          </p:nvSpPr>
+          <p:spPr bwMode="auto">
+            <a:xfrm>
+              <a:off x="1582269" y="3641551"/>
+              <a:ext cx="293350" cy="215444"/>
+            </a:xfrm>
+            <a:prstGeom prst="rect">
+              <a:avLst/>
+            </a:prstGeom>
+            <a:solidFill>
+              <a:schemeClr val="bg1"/>
+            </a:solidFill>
+            <a:ln w="9525">
+              <a:noFill/>
+              <a:miter lim="800000"/>
+              <a:headEnd/>
+              <a:tailEnd/>
+            </a:ln>
+            <a:effectLst/>
+          </p:spPr>
+          <p:txBody>
+            <a:bodyPr wrap="none" lIns="0" tIns="0" rIns="0" bIns="0">
+              <a:spAutoFit/>
+            </a:bodyPr>
+            <a:lstStyle/>
+            <a:p>
+              <a:pPr>
+                <a:spcBef>
+                  <a:spcPct val="50000"/>
+                </a:spcBef>
+              </a:pPr>
+              <a:r>
+                <a:rPr lang="en-US" sz="1400" dirty="0">
+                  <a:latin typeface="+mn-lt"/>
+                </a:rPr>
+                <a:t>2,2</a:t>
+              </a:r>
+            </a:p>
+          </p:txBody>
+        </p:sp>
+        <p:sp>
+          <p:nvSpPr>
+            <p:cNvPr id="125" name="Oval 124">
+              <a:extLst>
+                <a:ext uri="{FF2B5EF4-FFF2-40B4-BE49-F238E27FC236}">
+                  <a16:creationId xmlns:a16="http://schemas.microsoft.com/office/drawing/2014/main" id="{0EEFEE2E-4F84-8346-A80C-4A92865AFE55}"/>
+                </a:ext>
+              </a:extLst>
+            </p:cNvPr>
+            <p:cNvSpPr>
+              <a:spLocks noChangeArrowheads="1"/>
+            </p:cNvSpPr>
+            <p:nvPr/>
+          </p:nvSpPr>
+          <p:spPr bwMode="auto">
+            <a:xfrm>
+              <a:off x="3274620" y="3617041"/>
+              <a:ext cx="263849" cy="272858"/>
+            </a:xfrm>
+            <a:prstGeom prst="ellipse">
+              <a:avLst/>
+            </a:prstGeom>
+            <a:solidFill>
+              <a:srgbClr val="CCFFFF"/>
+            </a:solidFill>
+            <a:ln w="9525">
+              <a:solidFill>
+                <a:schemeClr val="tx1"/>
+              </a:solidFill>
+              <a:round/>
+              <a:headEnd/>
+              <a:tailEnd/>
+            </a:ln>
+            <a:effectLst/>
+          </p:spPr>
+          <p:txBody>
+            <a:bodyPr wrap="none" anchor="ctr"/>
+            <a:lstStyle/>
+            <a:p>
+              <a:pPr algn="ctr"/>
+              <a:r>
+                <a:rPr lang="en-US" sz="1400" i="1" dirty="0">
+                  <a:latin typeface="+mn-lt"/>
+                </a:rPr>
+                <a:t>c</a:t>
+              </a:r>
+            </a:p>
+          </p:txBody>
+        </p:sp>
+        <p:sp>
+          <p:nvSpPr>
+            <p:cNvPr id="126" name="Line 22">
+              <a:extLst>
+                <a:ext uri="{FF2B5EF4-FFF2-40B4-BE49-F238E27FC236}">
+                  <a16:creationId xmlns:a16="http://schemas.microsoft.com/office/drawing/2014/main" id="{9A2E179E-4AF1-0B4B-822F-BE3EE377FAA5}"/>
+                </a:ext>
+              </a:extLst>
+            </p:cNvPr>
+            <p:cNvSpPr>
+              <a:spLocks noChangeShapeType="1"/>
+            </p:cNvSpPr>
+            <p:nvPr/>
+          </p:nvSpPr>
+          <p:spPr bwMode="auto">
+            <a:xfrm>
+              <a:off x="2395129" y="3753472"/>
+              <a:ext cx="879494" cy="0"/>
+            </a:xfrm>
+            <a:prstGeom prst="line">
+              <a:avLst/>
+            </a:prstGeom>
+            <a:noFill/>
+            <a:ln w="9525">
+              <a:solidFill>
+                <a:schemeClr val="tx1"/>
+              </a:solidFill>
+              <a:round/>
+              <a:headEnd/>
+              <a:tailEnd type="triangle" w="med" len="med"/>
+            </a:ln>
+            <a:effectLst/>
+          </p:spPr>
+          <p:txBody>
+            <a:bodyPr/>
+            <a:lstStyle/>
+            <a:p>
+              <a:endParaRPr lang="en-US" sz="1800">
+                <a:latin typeface="+mn-lt"/>
+              </a:endParaRPr>
+            </a:p>
+          </p:txBody>
+        </p:sp>
+        <p:sp>
+          <p:nvSpPr>
+            <p:cNvPr id="127" name="Text Box 45">
+              <a:extLst>
+                <a:ext uri="{FF2B5EF4-FFF2-40B4-BE49-F238E27FC236}">
+                  <a16:creationId xmlns:a16="http://schemas.microsoft.com/office/drawing/2014/main" id="{00C5625F-6152-1441-A8A0-BEB0E2F902C0}"/>
+                </a:ext>
+              </a:extLst>
+            </p:cNvPr>
+            <p:cNvSpPr txBox="1">
+              <a:spLocks noChangeArrowheads="1"/>
+            </p:cNvSpPr>
+            <p:nvPr/>
+          </p:nvSpPr>
+          <p:spPr bwMode="auto">
+            <a:xfrm>
+              <a:off x="2725609" y="3641551"/>
+              <a:ext cx="293350" cy="215444"/>
+            </a:xfrm>
+            <a:prstGeom prst="rect">
+              <a:avLst/>
+            </a:prstGeom>
+            <a:solidFill>
+              <a:schemeClr val="bg1"/>
+            </a:solidFill>
+            <a:ln w="9525">
+              <a:noFill/>
+              <a:miter lim="800000"/>
+              <a:headEnd/>
+              <a:tailEnd/>
+            </a:ln>
+            <a:effectLst/>
+          </p:spPr>
+          <p:txBody>
+            <a:bodyPr wrap="none" lIns="0" tIns="0" rIns="0" bIns="0">
+              <a:spAutoFit/>
+            </a:bodyPr>
+            <a:lstStyle/>
+            <a:p>
+              <a:pPr>
+                <a:spcBef>
+                  <a:spcPct val="50000"/>
+                </a:spcBef>
+              </a:pPr>
+              <a:r>
+                <a:rPr lang="en-US" sz="1400" dirty="0">
+                  <a:latin typeface="+mn-lt"/>
+                </a:rPr>
+                <a:t>2,2</a:t>
+              </a:r>
+            </a:p>
+          </p:txBody>
+        </p:sp>
+        <p:sp>
+          <p:nvSpPr>
+            <p:cNvPr id="128" name="Oval 127">
+              <a:extLst>
+                <a:ext uri="{FF2B5EF4-FFF2-40B4-BE49-F238E27FC236}">
+                  <a16:creationId xmlns:a16="http://schemas.microsoft.com/office/drawing/2014/main" id="{B065DA41-DF91-B943-B8FD-FBEAC0C31581}"/>
+                </a:ext>
+              </a:extLst>
+            </p:cNvPr>
+            <p:cNvSpPr>
+              <a:spLocks noChangeArrowheads="1"/>
+            </p:cNvSpPr>
+            <p:nvPr/>
+          </p:nvSpPr>
+          <p:spPr bwMode="auto">
+            <a:xfrm>
+              <a:off x="4417960" y="3628022"/>
+              <a:ext cx="263849" cy="272858"/>
+            </a:xfrm>
+            <a:prstGeom prst="ellipse">
+              <a:avLst/>
+            </a:prstGeom>
+            <a:solidFill>
+              <a:srgbClr val="CCFFFF"/>
+            </a:solidFill>
+            <a:ln w="9525">
+              <a:solidFill>
+                <a:schemeClr val="tx1"/>
+              </a:solidFill>
+              <a:round/>
+              <a:headEnd/>
+              <a:tailEnd/>
+            </a:ln>
+            <a:effectLst/>
+          </p:spPr>
+          <p:txBody>
+            <a:bodyPr wrap="none" anchor="ctr"/>
+            <a:lstStyle/>
+            <a:p>
+              <a:pPr algn="ctr"/>
+              <a:r>
+                <a:rPr lang="en-US" sz="1400" i="1" dirty="0">
+                  <a:latin typeface="+mn-lt"/>
+                </a:rPr>
+                <a:t>d</a:t>
+              </a:r>
+            </a:p>
+          </p:txBody>
+        </p:sp>
+        <p:sp>
+          <p:nvSpPr>
+            <p:cNvPr id="129" name="Line 22">
+              <a:extLst>
+                <a:ext uri="{FF2B5EF4-FFF2-40B4-BE49-F238E27FC236}">
+                  <a16:creationId xmlns:a16="http://schemas.microsoft.com/office/drawing/2014/main" id="{6E8C7060-F8CF-E441-8DC0-B3D9ADA114C1}"/>
+                </a:ext>
+              </a:extLst>
+            </p:cNvPr>
+            <p:cNvSpPr>
+              <a:spLocks noChangeShapeType="1"/>
+            </p:cNvSpPr>
+            <p:nvPr/>
+          </p:nvSpPr>
+          <p:spPr bwMode="auto">
+            <a:xfrm>
+              <a:off x="3538469" y="3764453"/>
+              <a:ext cx="879494" cy="0"/>
+            </a:xfrm>
+            <a:prstGeom prst="line">
+              <a:avLst/>
+            </a:prstGeom>
+            <a:noFill/>
+            <a:ln w="9525">
+              <a:solidFill>
+                <a:schemeClr val="tx1"/>
+              </a:solidFill>
+              <a:round/>
+              <a:headEnd/>
+              <a:tailEnd type="triangle" w="med" len="med"/>
+            </a:ln>
+            <a:effectLst/>
+          </p:spPr>
+          <p:txBody>
+            <a:bodyPr/>
+            <a:lstStyle/>
+            <a:p>
+              <a:endParaRPr lang="en-US" sz="1800">
+                <a:latin typeface="+mn-lt"/>
+              </a:endParaRPr>
+            </a:p>
+          </p:txBody>
+        </p:sp>
+        <p:sp>
+          <p:nvSpPr>
+            <p:cNvPr id="130" name="Text Box 45">
+              <a:extLst>
+                <a:ext uri="{FF2B5EF4-FFF2-40B4-BE49-F238E27FC236}">
+                  <a16:creationId xmlns:a16="http://schemas.microsoft.com/office/drawing/2014/main" id="{311BA6B2-720A-444B-B723-730A036CD61E}"/>
+                </a:ext>
+              </a:extLst>
+            </p:cNvPr>
+            <p:cNvSpPr txBox="1">
+              <a:spLocks noChangeArrowheads="1"/>
+            </p:cNvSpPr>
+            <p:nvPr/>
+          </p:nvSpPr>
+          <p:spPr bwMode="auto">
+            <a:xfrm>
+              <a:off x="3868949" y="3652532"/>
+              <a:ext cx="293350" cy="215444"/>
+            </a:xfrm>
+            <a:prstGeom prst="rect">
+              <a:avLst/>
+            </a:prstGeom>
+            <a:solidFill>
+              <a:schemeClr val="bg1"/>
+            </a:solidFill>
+            <a:ln w="9525">
+              <a:noFill/>
+              <a:miter lim="800000"/>
+              <a:headEnd/>
+              <a:tailEnd/>
+            </a:ln>
+            <a:effectLst/>
+          </p:spPr>
+          <p:txBody>
+            <a:bodyPr wrap="none" lIns="0" tIns="0" rIns="0" bIns="0">
+              <a:spAutoFit/>
+            </a:bodyPr>
+            <a:lstStyle/>
+            <a:p>
+              <a:pPr>
+                <a:spcBef>
+                  <a:spcPct val="50000"/>
+                </a:spcBef>
+              </a:pPr>
+              <a:r>
+                <a:rPr lang="en-US" sz="1400" dirty="0">
+                  <a:latin typeface="+mn-lt"/>
+                </a:rPr>
+                <a:t>2,2</a:t>
+              </a:r>
+            </a:p>
+          </p:txBody>
+        </p:sp>
+        <p:sp>
+          <p:nvSpPr>
+            <p:cNvPr id="131" name="Oval 130">
+              <a:extLst>
+                <a:ext uri="{FF2B5EF4-FFF2-40B4-BE49-F238E27FC236}">
+                  <a16:creationId xmlns:a16="http://schemas.microsoft.com/office/drawing/2014/main" id="{8F24FED8-DC63-7542-B52E-DB455E123A84}"/>
+                </a:ext>
+              </a:extLst>
+            </p:cNvPr>
+            <p:cNvSpPr>
+              <a:spLocks noChangeArrowheads="1"/>
+            </p:cNvSpPr>
+            <p:nvPr/>
+          </p:nvSpPr>
+          <p:spPr bwMode="auto">
+            <a:xfrm>
+              <a:off x="5553115" y="3628022"/>
+              <a:ext cx="263849" cy="272858"/>
+            </a:xfrm>
+            <a:prstGeom prst="ellipse">
+              <a:avLst/>
+            </a:prstGeom>
+            <a:solidFill>
+              <a:srgbClr val="CCFFFF"/>
+            </a:solidFill>
+            <a:ln w="9525">
+              <a:solidFill>
+                <a:schemeClr val="tx1"/>
+              </a:solidFill>
+              <a:round/>
+              <a:headEnd/>
+              <a:tailEnd/>
+            </a:ln>
+            <a:effectLst/>
+          </p:spPr>
+          <p:txBody>
+            <a:bodyPr wrap="none" anchor="ctr"/>
+            <a:lstStyle/>
+            <a:p>
+              <a:pPr algn="ctr"/>
+              <a:r>
+                <a:rPr lang="en-US" sz="1400" i="1" dirty="0">
+                  <a:latin typeface="+mn-lt"/>
+                </a:rPr>
+                <a:t>e</a:t>
+              </a:r>
+            </a:p>
+          </p:txBody>
+        </p:sp>
+        <p:sp>
+          <p:nvSpPr>
+            <p:cNvPr id="132" name="Line 22">
+              <a:extLst>
+                <a:ext uri="{FF2B5EF4-FFF2-40B4-BE49-F238E27FC236}">
+                  <a16:creationId xmlns:a16="http://schemas.microsoft.com/office/drawing/2014/main" id="{E37914EA-DC3A-C04B-ABCA-D49EA16F277B}"/>
+                </a:ext>
+              </a:extLst>
+            </p:cNvPr>
+            <p:cNvSpPr>
+              <a:spLocks noChangeShapeType="1"/>
+            </p:cNvSpPr>
+            <p:nvPr/>
+          </p:nvSpPr>
+          <p:spPr bwMode="auto">
+            <a:xfrm>
+              <a:off x="4673624" y="3764453"/>
+              <a:ext cx="879494" cy="0"/>
+            </a:xfrm>
+            <a:prstGeom prst="line">
+              <a:avLst/>
+            </a:prstGeom>
+            <a:noFill/>
+            <a:ln w="9525">
+              <a:solidFill>
+                <a:schemeClr val="tx1"/>
+              </a:solidFill>
+              <a:round/>
+              <a:headEnd/>
+              <a:tailEnd type="triangle" w="med" len="med"/>
+            </a:ln>
+            <a:effectLst/>
+          </p:spPr>
+          <p:txBody>
+            <a:bodyPr/>
+            <a:lstStyle/>
+            <a:p>
+              <a:endParaRPr lang="en-US" sz="1800">
+                <a:latin typeface="+mn-lt"/>
+              </a:endParaRPr>
+            </a:p>
+          </p:txBody>
+        </p:sp>
+        <p:sp>
+          <p:nvSpPr>
+            <p:cNvPr id="133" name="Text Box 45">
+              <a:extLst>
+                <a:ext uri="{FF2B5EF4-FFF2-40B4-BE49-F238E27FC236}">
+                  <a16:creationId xmlns:a16="http://schemas.microsoft.com/office/drawing/2014/main" id="{9ED3ACA5-A0C7-5340-9EC7-C6F50215D36B}"/>
+                </a:ext>
+              </a:extLst>
+            </p:cNvPr>
+            <p:cNvSpPr txBox="1">
+              <a:spLocks noChangeArrowheads="1"/>
+            </p:cNvSpPr>
+            <p:nvPr/>
+          </p:nvSpPr>
+          <p:spPr bwMode="auto">
+            <a:xfrm>
+              <a:off x="5004104" y="3652532"/>
+              <a:ext cx="307777" cy="215444"/>
+            </a:xfrm>
+            <a:prstGeom prst="rect">
+              <a:avLst/>
+            </a:prstGeom>
+            <a:solidFill>
+              <a:schemeClr val="bg1"/>
+            </a:solidFill>
+            <a:ln w="9525">
+              <a:noFill/>
+              <a:miter lim="800000"/>
+              <a:headEnd/>
+              <a:tailEnd/>
+            </a:ln>
+            <a:effectLst/>
+          </p:spPr>
+          <p:txBody>
+            <a:bodyPr wrap="none" lIns="0" tIns="0" rIns="0" bIns="0">
+              <a:spAutoFit/>
+            </a:bodyPr>
+            <a:lstStyle/>
+            <a:p>
+              <a:pPr>
+                <a:spcBef>
+                  <a:spcPct val="50000"/>
+                </a:spcBef>
+              </a:pPr>
+              <a:r>
+                <a:rPr lang="en-US" sz="1400" dirty="0">
+                  <a:latin typeface="+mn-lt"/>
+                </a:rPr>
+                <a:t>2,</a:t>
+              </a:r>
+              <a:r>
+                <a:rPr lang="en-US" sz="1400" b="1" dirty="0">
+                  <a:latin typeface="+mn-lt"/>
+                </a:rPr>
+                <a:t>2</a:t>
+              </a:r>
+            </a:p>
+          </p:txBody>
+        </p:sp>
+        <p:sp>
+          <p:nvSpPr>
+            <p:cNvPr id="134" name="Oval 133">
+              <a:extLst>
+                <a:ext uri="{FF2B5EF4-FFF2-40B4-BE49-F238E27FC236}">
+                  <a16:creationId xmlns:a16="http://schemas.microsoft.com/office/drawing/2014/main" id="{BCD66ACA-410E-5743-B131-D84DBDC526CA}"/>
+                </a:ext>
+              </a:extLst>
+            </p:cNvPr>
+            <p:cNvSpPr>
+              <a:spLocks noChangeArrowheads="1"/>
+            </p:cNvSpPr>
+            <p:nvPr/>
+          </p:nvSpPr>
+          <p:spPr bwMode="auto">
+            <a:xfrm>
+              <a:off x="6704636" y="3628022"/>
+              <a:ext cx="263849" cy="272858"/>
+            </a:xfrm>
+            <a:prstGeom prst="ellipse">
+              <a:avLst/>
+            </a:prstGeom>
+            <a:solidFill>
+              <a:srgbClr val="CCFFFF"/>
+            </a:solidFill>
+            <a:ln w="9525">
+              <a:solidFill>
+                <a:schemeClr val="tx1"/>
+              </a:solidFill>
+              <a:round/>
+              <a:headEnd/>
+              <a:tailEnd/>
+            </a:ln>
+            <a:effectLst/>
+          </p:spPr>
+          <p:txBody>
+            <a:bodyPr wrap="none" anchor="ctr"/>
+            <a:lstStyle/>
+            <a:p>
+              <a:pPr algn="ctr"/>
+              <a:r>
+                <a:rPr lang="en-US" sz="1400" i="1" dirty="0">
+                  <a:latin typeface="+mn-lt"/>
+                </a:rPr>
+                <a:t>f</a:t>
+              </a:r>
+            </a:p>
+          </p:txBody>
+        </p:sp>
+        <p:sp>
+          <p:nvSpPr>
+            <p:cNvPr id="135" name="Line 22">
+              <a:extLst>
+                <a:ext uri="{FF2B5EF4-FFF2-40B4-BE49-F238E27FC236}">
+                  <a16:creationId xmlns:a16="http://schemas.microsoft.com/office/drawing/2014/main" id="{D962876A-4BD0-004F-91D5-1CF524063BB7}"/>
+                </a:ext>
+              </a:extLst>
+            </p:cNvPr>
+            <p:cNvSpPr>
+              <a:spLocks noChangeShapeType="1"/>
+            </p:cNvSpPr>
+            <p:nvPr/>
+          </p:nvSpPr>
+          <p:spPr bwMode="auto">
+            <a:xfrm>
+              <a:off x="5825145" y="3764453"/>
+              <a:ext cx="879494" cy="0"/>
+            </a:xfrm>
+            <a:prstGeom prst="line">
+              <a:avLst/>
+            </a:prstGeom>
+            <a:noFill/>
+            <a:ln w="9525">
+              <a:solidFill>
+                <a:schemeClr val="tx1"/>
+              </a:solidFill>
+              <a:round/>
+              <a:headEnd/>
+              <a:tailEnd type="triangle" w="med" len="med"/>
+            </a:ln>
+            <a:effectLst/>
+          </p:spPr>
+          <p:txBody>
+            <a:bodyPr/>
+            <a:lstStyle/>
+            <a:p>
+              <a:endParaRPr lang="en-US" sz="1800">
+                <a:latin typeface="+mn-lt"/>
+              </a:endParaRPr>
+            </a:p>
+          </p:txBody>
+        </p:sp>
+        <p:sp>
+          <p:nvSpPr>
+            <p:cNvPr id="136" name="Text Box 45">
+              <a:extLst>
+                <a:ext uri="{FF2B5EF4-FFF2-40B4-BE49-F238E27FC236}">
+                  <a16:creationId xmlns:a16="http://schemas.microsoft.com/office/drawing/2014/main" id="{BB1886BC-7F5B-6845-8F2F-A3AD243039AB}"/>
+                </a:ext>
+              </a:extLst>
+            </p:cNvPr>
+            <p:cNvSpPr txBox="1">
+              <a:spLocks noChangeArrowheads="1"/>
+            </p:cNvSpPr>
+            <p:nvPr/>
+          </p:nvSpPr>
+          <p:spPr bwMode="auto">
+            <a:xfrm>
+              <a:off x="6155625" y="3652532"/>
+              <a:ext cx="293350" cy="215444"/>
+            </a:xfrm>
+            <a:prstGeom prst="rect">
+              <a:avLst/>
+            </a:prstGeom>
+            <a:solidFill>
+              <a:schemeClr val="bg1"/>
+            </a:solidFill>
+            <a:ln w="9525">
+              <a:noFill/>
+              <a:miter lim="800000"/>
+              <a:headEnd/>
+              <a:tailEnd/>
+            </a:ln>
+            <a:effectLst/>
+          </p:spPr>
+          <p:txBody>
+            <a:bodyPr wrap="none" lIns="0" tIns="0" rIns="0" bIns="0">
+              <a:spAutoFit/>
+            </a:bodyPr>
+            <a:lstStyle/>
+            <a:p>
+              <a:pPr>
+                <a:spcBef>
+                  <a:spcPct val="50000"/>
+                </a:spcBef>
+              </a:pPr>
+              <a:r>
+                <a:rPr lang="en-US" sz="1400" dirty="0">
+                  <a:latin typeface="+mn-lt"/>
+                </a:rPr>
+                <a:t>1,1</a:t>
+              </a:r>
+            </a:p>
+          </p:txBody>
+        </p:sp>
+        <p:sp>
+          <p:nvSpPr>
+            <p:cNvPr id="137" name="Text Box 37">
+              <a:extLst>
+                <a:ext uri="{FF2B5EF4-FFF2-40B4-BE49-F238E27FC236}">
+                  <a16:creationId xmlns:a16="http://schemas.microsoft.com/office/drawing/2014/main" id="{AC1B0A81-64F5-6247-A597-9E3082937652}"/>
+                </a:ext>
+              </a:extLst>
+            </p:cNvPr>
+            <p:cNvSpPr txBox="1">
+              <a:spLocks noChangeArrowheads="1"/>
+            </p:cNvSpPr>
+            <p:nvPr/>
+          </p:nvSpPr>
+          <p:spPr bwMode="auto">
+            <a:xfrm>
+              <a:off x="5628132" y="3908500"/>
+              <a:ext cx="113814" cy="215444"/>
+            </a:xfrm>
+            <a:prstGeom prst="rect">
+              <a:avLst/>
+            </a:prstGeom>
+            <a:noFill/>
+            <a:ln w="9525">
+              <a:noFill/>
+              <a:miter lim="800000"/>
+              <a:headEnd/>
+              <a:tailEnd/>
+            </a:ln>
+            <a:effectLst/>
+          </p:spPr>
+          <p:txBody>
+            <a:bodyPr wrap="none" lIns="0" tIns="0" rIns="0" bIns="0">
+              <a:spAutoFit/>
+            </a:bodyPr>
+            <a:lstStyle/>
+            <a:p>
+              <a:pPr>
+                <a:spcBef>
+                  <a:spcPct val="50000"/>
+                </a:spcBef>
+              </a:pPr>
+              <a:r>
+                <a:rPr lang="en-US" sz="1400" dirty="0">
+                  <a:latin typeface="+mn-lt"/>
+                </a:rPr>
+                <a:t>6</a:t>
+              </a:r>
+            </a:p>
+          </p:txBody>
+        </p:sp>
+        <p:sp>
+          <p:nvSpPr>
+            <p:cNvPr id="138" name="Text Box 37">
+              <a:extLst>
+                <a:ext uri="{FF2B5EF4-FFF2-40B4-BE49-F238E27FC236}">
+                  <a16:creationId xmlns:a16="http://schemas.microsoft.com/office/drawing/2014/main" id="{4ABD95AF-D91B-CB4B-99EA-6C5AC2D87846}"/>
+                </a:ext>
+              </a:extLst>
+            </p:cNvPr>
+            <p:cNvSpPr txBox="1">
+              <a:spLocks noChangeArrowheads="1"/>
+            </p:cNvSpPr>
+            <p:nvPr/>
+          </p:nvSpPr>
+          <p:spPr bwMode="auto">
+            <a:xfrm>
+              <a:off x="4485651" y="3908500"/>
+              <a:ext cx="128240" cy="215444"/>
+            </a:xfrm>
+            <a:prstGeom prst="rect">
+              <a:avLst/>
+            </a:prstGeom>
+            <a:noFill/>
+            <a:ln w="9525">
+              <a:noFill/>
+              <a:miter lim="800000"/>
+              <a:headEnd/>
+              <a:tailEnd/>
+            </a:ln>
+            <a:effectLst/>
+          </p:spPr>
+          <p:txBody>
+            <a:bodyPr wrap="none" lIns="0" tIns="0" rIns="0" bIns="0">
+              <a:spAutoFit/>
+            </a:bodyPr>
+            <a:lstStyle/>
+            <a:p>
+              <a:pPr>
+                <a:spcBef>
+                  <a:spcPct val="50000"/>
+                </a:spcBef>
+              </a:pPr>
+              <a:r>
+                <a:rPr lang="en-US" sz="1400" b="1" dirty="0">
+                  <a:latin typeface="+mn-lt"/>
+                </a:rPr>
+                <a:t>7</a:t>
+              </a:r>
+            </a:p>
+          </p:txBody>
+        </p:sp>
+        <p:sp>
+          <p:nvSpPr>
+            <p:cNvPr id="139" name="Text Box 37">
+              <a:extLst>
+                <a:ext uri="{FF2B5EF4-FFF2-40B4-BE49-F238E27FC236}">
+                  <a16:creationId xmlns:a16="http://schemas.microsoft.com/office/drawing/2014/main" id="{02CC73CB-21C5-E340-AEFD-AF34407536D4}"/>
+                </a:ext>
+              </a:extLst>
+            </p:cNvPr>
+            <p:cNvSpPr txBox="1">
+              <a:spLocks noChangeArrowheads="1"/>
+            </p:cNvSpPr>
+            <p:nvPr/>
+          </p:nvSpPr>
+          <p:spPr bwMode="auto">
+            <a:xfrm>
+              <a:off x="3323346" y="3908500"/>
+              <a:ext cx="113814" cy="215444"/>
+            </a:xfrm>
+            <a:prstGeom prst="rect">
+              <a:avLst/>
+            </a:prstGeom>
+            <a:noFill/>
+            <a:ln w="9525">
+              <a:noFill/>
+              <a:miter lim="800000"/>
+              <a:headEnd/>
+              <a:tailEnd/>
+            </a:ln>
+            <a:effectLst/>
+          </p:spPr>
+          <p:txBody>
+            <a:bodyPr wrap="none" lIns="0" tIns="0" rIns="0" bIns="0">
+              <a:spAutoFit/>
+            </a:bodyPr>
+            <a:lstStyle/>
+            <a:p>
+              <a:pPr>
+                <a:spcBef>
+                  <a:spcPct val="50000"/>
+                </a:spcBef>
+              </a:pPr>
+              <a:r>
+                <a:rPr lang="en-US" sz="1400" dirty="0">
+                  <a:latin typeface="+mn-lt"/>
+                </a:rPr>
+                <a:t>6</a:t>
+              </a:r>
+            </a:p>
+          </p:txBody>
+        </p:sp>
+        <p:sp>
+          <p:nvSpPr>
+            <p:cNvPr id="140" name="Text Box 37">
+              <a:extLst>
+                <a:ext uri="{FF2B5EF4-FFF2-40B4-BE49-F238E27FC236}">
+                  <a16:creationId xmlns:a16="http://schemas.microsoft.com/office/drawing/2014/main" id="{37E262E7-49D5-234D-A35B-E0674BE6E076}"/>
+                </a:ext>
+              </a:extLst>
+            </p:cNvPr>
+            <p:cNvSpPr txBox="1">
+              <a:spLocks noChangeArrowheads="1"/>
+            </p:cNvSpPr>
+            <p:nvPr/>
+          </p:nvSpPr>
+          <p:spPr bwMode="auto">
+            <a:xfrm>
+              <a:off x="2198117" y="3899885"/>
+              <a:ext cx="113814" cy="215444"/>
+            </a:xfrm>
+            <a:prstGeom prst="rect">
+              <a:avLst/>
+            </a:prstGeom>
+            <a:noFill/>
+            <a:ln w="9525">
+              <a:noFill/>
+              <a:miter lim="800000"/>
+              <a:headEnd/>
+              <a:tailEnd/>
+            </a:ln>
+            <a:effectLst/>
+          </p:spPr>
+          <p:txBody>
+            <a:bodyPr wrap="none" lIns="0" tIns="0" rIns="0" bIns="0">
+              <a:spAutoFit/>
+            </a:bodyPr>
+            <a:lstStyle/>
+            <a:p>
+              <a:pPr>
+                <a:spcBef>
+                  <a:spcPct val="50000"/>
+                </a:spcBef>
+              </a:pPr>
+              <a:r>
+                <a:rPr lang="en-US" sz="1400" dirty="0">
+                  <a:latin typeface="+mn-lt"/>
+                </a:rPr>
+                <a:t>7</a:t>
+              </a:r>
+            </a:p>
+          </p:txBody>
+        </p:sp>
+        <p:sp>
+          <p:nvSpPr>
+            <p:cNvPr id="141" name="Text Box 37">
+              <a:extLst>
+                <a:ext uri="{FF2B5EF4-FFF2-40B4-BE49-F238E27FC236}">
+                  <a16:creationId xmlns:a16="http://schemas.microsoft.com/office/drawing/2014/main" id="{5AD1E19C-6AAB-8147-9A7B-C05E19E8AC18}"/>
+                </a:ext>
+              </a:extLst>
+            </p:cNvPr>
+            <p:cNvSpPr txBox="1">
+              <a:spLocks noChangeArrowheads="1"/>
+            </p:cNvSpPr>
+            <p:nvPr/>
+          </p:nvSpPr>
+          <p:spPr bwMode="auto">
+            <a:xfrm>
+              <a:off x="1062958" y="3908500"/>
+              <a:ext cx="113814" cy="215444"/>
+            </a:xfrm>
+            <a:prstGeom prst="rect">
+              <a:avLst/>
+            </a:prstGeom>
+            <a:noFill/>
+            <a:ln w="9525">
+              <a:noFill/>
+              <a:miter lim="800000"/>
+              <a:headEnd/>
+              <a:tailEnd/>
+            </a:ln>
+            <a:effectLst/>
+          </p:spPr>
+          <p:txBody>
+            <a:bodyPr wrap="none" lIns="0" tIns="0" rIns="0" bIns="0">
+              <a:spAutoFit/>
+            </a:bodyPr>
+            <a:lstStyle/>
+            <a:p>
+              <a:pPr>
+                <a:spcBef>
+                  <a:spcPct val="50000"/>
+                </a:spcBef>
+              </a:pPr>
+              <a:r>
+                <a:rPr lang="en-US" sz="1400" dirty="0">
+                  <a:latin typeface="+mn-lt"/>
+                </a:rPr>
+                <a:t>8</a:t>
+              </a:r>
+            </a:p>
+          </p:txBody>
+        </p:sp>
+      </p:grpSp>
+      <p:grpSp>
+        <p:nvGrpSpPr>
+          <p:cNvPr id="165" name="Group 164">
+            <a:extLst>
+              <a:ext uri="{FF2B5EF4-FFF2-40B4-BE49-F238E27FC236}">
+                <a16:creationId xmlns:a16="http://schemas.microsoft.com/office/drawing/2014/main" id="{F353EDED-30F4-114C-8D33-B4213177B78B}"/>
+              </a:ext>
+            </a:extLst>
+          </p:cNvPr>
+          <p:cNvGrpSpPr/>
+          <p:nvPr/>
+        </p:nvGrpSpPr>
+        <p:grpSpPr>
+          <a:xfrm>
+            <a:off x="999705" y="3690922"/>
+            <a:ext cx="5980544" cy="506903"/>
+            <a:chOff x="987941" y="3617041"/>
+            <a:chExt cx="5980544" cy="506903"/>
+          </a:xfrm>
+        </p:grpSpPr>
+        <p:sp>
+          <p:nvSpPr>
+            <p:cNvPr id="166" name="Text Box 37">
+              <a:extLst>
+                <a:ext uri="{FF2B5EF4-FFF2-40B4-BE49-F238E27FC236}">
+                  <a16:creationId xmlns:a16="http://schemas.microsoft.com/office/drawing/2014/main" id="{BADCEFBE-5B56-E04E-A536-04FF98B84880}"/>
+                </a:ext>
+              </a:extLst>
+            </p:cNvPr>
+            <p:cNvSpPr txBox="1">
+              <a:spLocks noChangeArrowheads="1"/>
+            </p:cNvSpPr>
+            <p:nvPr/>
+          </p:nvSpPr>
+          <p:spPr bwMode="auto">
+            <a:xfrm>
+              <a:off x="6779653" y="3908500"/>
+              <a:ext cx="113814" cy="215444"/>
+            </a:xfrm>
+            <a:prstGeom prst="rect">
+              <a:avLst/>
+            </a:prstGeom>
+            <a:noFill/>
+            <a:ln w="9525">
+              <a:noFill/>
+              <a:miter lim="800000"/>
+              <a:headEnd/>
+              <a:tailEnd/>
+            </a:ln>
+            <a:effectLst/>
+          </p:spPr>
+          <p:txBody>
+            <a:bodyPr wrap="none" lIns="0" tIns="0" rIns="0" bIns="0">
+              <a:spAutoFit/>
+            </a:bodyPr>
+            <a:lstStyle/>
+            <a:p>
+              <a:pPr>
+                <a:spcBef>
+                  <a:spcPct val="50000"/>
+                </a:spcBef>
+              </a:pPr>
+              <a:r>
+                <a:rPr lang="en-US" sz="1400" dirty="0">
+                  <a:latin typeface="+mn-lt"/>
+                </a:rPr>
+                <a:t>3</a:t>
+              </a:r>
+            </a:p>
+          </p:txBody>
+        </p:sp>
+        <p:sp>
+          <p:nvSpPr>
+            <p:cNvPr id="167" name="Oval 166">
+              <a:extLst>
+                <a:ext uri="{FF2B5EF4-FFF2-40B4-BE49-F238E27FC236}">
+                  <a16:creationId xmlns:a16="http://schemas.microsoft.com/office/drawing/2014/main" id="{3B9CCFC7-0F01-D140-B6A1-B10B70C77B0B}"/>
+                </a:ext>
+              </a:extLst>
+            </p:cNvPr>
+            <p:cNvSpPr>
+              <a:spLocks noChangeArrowheads="1"/>
+            </p:cNvSpPr>
+            <p:nvPr/>
+          </p:nvSpPr>
+          <p:spPr bwMode="auto">
+            <a:xfrm>
+              <a:off x="2131280" y="3617041"/>
+              <a:ext cx="263849" cy="272858"/>
+            </a:xfrm>
+            <a:prstGeom prst="ellipse">
+              <a:avLst/>
+            </a:prstGeom>
+            <a:solidFill>
+              <a:srgbClr val="CCFFFF"/>
+            </a:solidFill>
+            <a:ln w="9525">
+              <a:solidFill>
+                <a:schemeClr val="tx1"/>
+              </a:solidFill>
+              <a:round/>
+              <a:headEnd/>
+              <a:tailEnd/>
+            </a:ln>
+            <a:effectLst/>
+          </p:spPr>
+          <p:txBody>
+            <a:bodyPr wrap="none" anchor="ctr"/>
+            <a:lstStyle/>
+            <a:p>
+              <a:pPr algn="ctr"/>
+              <a:r>
+                <a:rPr lang="en-US" sz="1400" i="1" dirty="0">
+                  <a:latin typeface="+mn-lt"/>
+                </a:rPr>
+                <a:t>b</a:t>
+              </a:r>
+            </a:p>
+          </p:txBody>
+        </p:sp>
+        <p:sp>
+          <p:nvSpPr>
+            <p:cNvPr id="168" name="Oval 167">
+              <a:extLst>
+                <a:ext uri="{FF2B5EF4-FFF2-40B4-BE49-F238E27FC236}">
+                  <a16:creationId xmlns:a16="http://schemas.microsoft.com/office/drawing/2014/main" id="{465F6D2C-2D59-9448-99AA-41EFDD990098}"/>
+                </a:ext>
+              </a:extLst>
+            </p:cNvPr>
+            <p:cNvSpPr>
+              <a:spLocks noChangeArrowheads="1"/>
+            </p:cNvSpPr>
+            <p:nvPr/>
+          </p:nvSpPr>
+          <p:spPr bwMode="auto">
+            <a:xfrm>
+              <a:off x="987941" y="3617041"/>
+              <a:ext cx="263849" cy="272858"/>
+            </a:xfrm>
+            <a:prstGeom prst="ellipse">
+              <a:avLst/>
+            </a:prstGeom>
+            <a:solidFill>
+              <a:srgbClr val="CCFFFF"/>
+            </a:solidFill>
+            <a:ln w="9525">
+              <a:solidFill>
+                <a:schemeClr val="tx1"/>
+              </a:solidFill>
+              <a:round/>
+              <a:headEnd/>
+              <a:tailEnd/>
+            </a:ln>
+            <a:effectLst/>
+          </p:spPr>
+          <p:txBody>
+            <a:bodyPr wrap="none" anchor="ctr"/>
+            <a:lstStyle/>
+            <a:p>
+              <a:pPr algn="ctr"/>
+              <a:r>
+                <a:rPr lang="en-US" sz="1400" i="1" dirty="0">
+                  <a:latin typeface="+mn-lt"/>
+                </a:rPr>
+                <a:t>a</a:t>
+              </a:r>
+            </a:p>
+          </p:txBody>
+        </p:sp>
+        <p:sp>
+          <p:nvSpPr>
+            <p:cNvPr id="169" name="Line 22">
+              <a:extLst>
+                <a:ext uri="{FF2B5EF4-FFF2-40B4-BE49-F238E27FC236}">
+                  <a16:creationId xmlns:a16="http://schemas.microsoft.com/office/drawing/2014/main" id="{EF378DB8-FB96-4B40-8D03-24B27026E340}"/>
+                </a:ext>
+              </a:extLst>
+            </p:cNvPr>
+            <p:cNvSpPr>
+              <a:spLocks noChangeShapeType="1"/>
+            </p:cNvSpPr>
+            <p:nvPr/>
+          </p:nvSpPr>
+          <p:spPr bwMode="auto">
+            <a:xfrm>
+              <a:off x="1251789" y="3753472"/>
+              <a:ext cx="879494" cy="0"/>
+            </a:xfrm>
+            <a:prstGeom prst="line">
+              <a:avLst/>
+            </a:prstGeom>
+            <a:noFill/>
+            <a:ln w="9525">
+              <a:solidFill>
+                <a:schemeClr val="tx1"/>
+              </a:solidFill>
+              <a:round/>
+              <a:headEnd/>
+              <a:tailEnd type="triangle" w="med" len="med"/>
+            </a:ln>
+            <a:effectLst/>
+          </p:spPr>
+          <p:txBody>
+            <a:bodyPr/>
+            <a:lstStyle/>
+            <a:p>
+              <a:endParaRPr lang="en-US" sz="1800">
+                <a:latin typeface="+mn-lt"/>
+              </a:endParaRPr>
+            </a:p>
+          </p:txBody>
+        </p:sp>
+        <p:sp>
+          <p:nvSpPr>
+            <p:cNvPr id="170" name="Text Box 45">
+              <a:extLst>
+                <a:ext uri="{FF2B5EF4-FFF2-40B4-BE49-F238E27FC236}">
+                  <a16:creationId xmlns:a16="http://schemas.microsoft.com/office/drawing/2014/main" id="{B1A2DFC1-5EC2-7947-9185-591F0D0B12B1}"/>
+                </a:ext>
+              </a:extLst>
+            </p:cNvPr>
+            <p:cNvSpPr txBox="1">
+              <a:spLocks noChangeArrowheads="1"/>
+            </p:cNvSpPr>
+            <p:nvPr/>
+          </p:nvSpPr>
+          <p:spPr bwMode="auto">
+            <a:xfrm>
+              <a:off x="1582269" y="3641551"/>
+              <a:ext cx="293350" cy="215444"/>
+            </a:xfrm>
+            <a:prstGeom prst="rect">
+              <a:avLst/>
+            </a:prstGeom>
+            <a:solidFill>
+              <a:schemeClr val="bg1"/>
+            </a:solidFill>
+            <a:ln w="9525">
+              <a:noFill/>
+              <a:miter lim="800000"/>
+              <a:headEnd/>
+              <a:tailEnd/>
+            </a:ln>
+            <a:effectLst/>
+          </p:spPr>
+          <p:txBody>
+            <a:bodyPr wrap="none" lIns="0" tIns="0" rIns="0" bIns="0">
+              <a:spAutoFit/>
+            </a:bodyPr>
+            <a:lstStyle/>
+            <a:p>
+              <a:pPr>
+                <a:spcBef>
+                  <a:spcPct val="50000"/>
+                </a:spcBef>
+              </a:pPr>
+              <a:r>
+                <a:rPr lang="en-US" sz="1400" dirty="0">
+                  <a:latin typeface="+mn-lt"/>
+                </a:rPr>
+                <a:t>2,2</a:t>
+              </a:r>
+            </a:p>
+          </p:txBody>
+        </p:sp>
+        <p:sp>
+          <p:nvSpPr>
+            <p:cNvPr id="171" name="Oval 170">
+              <a:extLst>
+                <a:ext uri="{FF2B5EF4-FFF2-40B4-BE49-F238E27FC236}">
+                  <a16:creationId xmlns:a16="http://schemas.microsoft.com/office/drawing/2014/main" id="{585949D1-FA12-484A-A299-78C2D93CC0ED}"/>
+                </a:ext>
+              </a:extLst>
+            </p:cNvPr>
+            <p:cNvSpPr>
+              <a:spLocks noChangeArrowheads="1"/>
+            </p:cNvSpPr>
+            <p:nvPr/>
+          </p:nvSpPr>
+          <p:spPr bwMode="auto">
+            <a:xfrm>
+              <a:off x="3274620" y="3617041"/>
+              <a:ext cx="263849" cy="272858"/>
+            </a:xfrm>
+            <a:prstGeom prst="ellipse">
+              <a:avLst/>
+            </a:prstGeom>
+            <a:solidFill>
+              <a:srgbClr val="CCFFFF"/>
+            </a:solidFill>
+            <a:ln w="9525">
+              <a:solidFill>
+                <a:schemeClr val="tx1"/>
+              </a:solidFill>
+              <a:round/>
+              <a:headEnd/>
+              <a:tailEnd/>
+            </a:ln>
+            <a:effectLst/>
+          </p:spPr>
+          <p:txBody>
+            <a:bodyPr wrap="none" anchor="ctr"/>
+            <a:lstStyle/>
+            <a:p>
+              <a:pPr algn="ctr"/>
+              <a:r>
+                <a:rPr lang="en-US" sz="1400" i="1" dirty="0">
+                  <a:latin typeface="+mn-lt"/>
+                </a:rPr>
+                <a:t>c</a:t>
+              </a:r>
+            </a:p>
+          </p:txBody>
+        </p:sp>
+        <p:sp>
+          <p:nvSpPr>
+            <p:cNvPr id="172" name="Line 22">
+              <a:extLst>
+                <a:ext uri="{FF2B5EF4-FFF2-40B4-BE49-F238E27FC236}">
+                  <a16:creationId xmlns:a16="http://schemas.microsoft.com/office/drawing/2014/main" id="{A7A1D754-0E5A-5243-A831-9DBFDD4B3A34}"/>
+                </a:ext>
+              </a:extLst>
+            </p:cNvPr>
+            <p:cNvSpPr>
+              <a:spLocks noChangeShapeType="1"/>
+            </p:cNvSpPr>
+            <p:nvPr/>
+          </p:nvSpPr>
+          <p:spPr bwMode="auto">
+            <a:xfrm>
+              <a:off x="2395129" y="3753472"/>
+              <a:ext cx="879494" cy="0"/>
+            </a:xfrm>
+            <a:prstGeom prst="line">
+              <a:avLst/>
+            </a:prstGeom>
+            <a:noFill/>
+            <a:ln w="9525">
+              <a:solidFill>
+                <a:schemeClr val="tx1"/>
+              </a:solidFill>
+              <a:round/>
+              <a:headEnd/>
+              <a:tailEnd type="triangle" w="med" len="med"/>
+            </a:ln>
+            <a:effectLst/>
+          </p:spPr>
+          <p:txBody>
+            <a:bodyPr/>
+            <a:lstStyle/>
+            <a:p>
+              <a:endParaRPr lang="en-US" sz="1800">
+                <a:latin typeface="+mn-lt"/>
+              </a:endParaRPr>
+            </a:p>
+          </p:txBody>
+        </p:sp>
+        <p:sp>
+          <p:nvSpPr>
+            <p:cNvPr id="173" name="Text Box 45">
+              <a:extLst>
+                <a:ext uri="{FF2B5EF4-FFF2-40B4-BE49-F238E27FC236}">
+                  <a16:creationId xmlns:a16="http://schemas.microsoft.com/office/drawing/2014/main" id="{9D5C65F3-8DE4-3D42-8BE5-86AAC39A6A39}"/>
+                </a:ext>
+              </a:extLst>
+            </p:cNvPr>
+            <p:cNvSpPr txBox="1">
+              <a:spLocks noChangeArrowheads="1"/>
+            </p:cNvSpPr>
+            <p:nvPr/>
+          </p:nvSpPr>
+          <p:spPr bwMode="auto">
+            <a:xfrm>
+              <a:off x="2725609" y="3641551"/>
+              <a:ext cx="293350" cy="215444"/>
+            </a:xfrm>
+            <a:prstGeom prst="rect">
+              <a:avLst/>
+            </a:prstGeom>
+            <a:solidFill>
+              <a:schemeClr val="bg1"/>
+            </a:solidFill>
+            <a:ln w="9525">
+              <a:noFill/>
+              <a:miter lim="800000"/>
+              <a:headEnd/>
+              <a:tailEnd/>
+            </a:ln>
+            <a:effectLst/>
+          </p:spPr>
+          <p:txBody>
+            <a:bodyPr wrap="none" lIns="0" tIns="0" rIns="0" bIns="0">
+              <a:spAutoFit/>
+            </a:bodyPr>
+            <a:lstStyle/>
+            <a:p>
+              <a:pPr>
+                <a:spcBef>
+                  <a:spcPct val="50000"/>
+                </a:spcBef>
+              </a:pPr>
+              <a:r>
+                <a:rPr lang="en-US" sz="1400" dirty="0">
+                  <a:latin typeface="+mn-lt"/>
+                </a:rPr>
+                <a:t>2,2</a:t>
+              </a:r>
+            </a:p>
+          </p:txBody>
+        </p:sp>
+        <p:sp>
+          <p:nvSpPr>
+            <p:cNvPr id="174" name="Oval 173">
+              <a:extLst>
+                <a:ext uri="{FF2B5EF4-FFF2-40B4-BE49-F238E27FC236}">
+                  <a16:creationId xmlns:a16="http://schemas.microsoft.com/office/drawing/2014/main" id="{4EDA9F7F-D41D-F349-BA5B-7AB3578F8C0D}"/>
+                </a:ext>
+              </a:extLst>
+            </p:cNvPr>
+            <p:cNvSpPr>
+              <a:spLocks noChangeArrowheads="1"/>
+            </p:cNvSpPr>
+            <p:nvPr/>
+          </p:nvSpPr>
+          <p:spPr bwMode="auto">
+            <a:xfrm>
+              <a:off x="4417960" y="3628022"/>
+              <a:ext cx="263849" cy="272858"/>
+            </a:xfrm>
+            <a:prstGeom prst="ellipse">
+              <a:avLst/>
+            </a:prstGeom>
+            <a:solidFill>
+              <a:srgbClr val="CCFFFF"/>
+            </a:solidFill>
+            <a:ln w="9525">
+              <a:solidFill>
+                <a:schemeClr val="tx1"/>
+              </a:solidFill>
+              <a:round/>
+              <a:headEnd/>
+              <a:tailEnd/>
+            </a:ln>
+            <a:effectLst/>
+          </p:spPr>
+          <p:txBody>
+            <a:bodyPr wrap="none" anchor="ctr"/>
+            <a:lstStyle/>
+            <a:p>
+              <a:pPr algn="ctr"/>
+              <a:r>
+                <a:rPr lang="en-US" sz="1400" i="1" dirty="0">
+                  <a:latin typeface="+mn-lt"/>
+                </a:rPr>
+                <a:t>d</a:t>
+              </a:r>
+            </a:p>
+          </p:txBody>
+        </p:sp>
+        <p:sp>
+          <p:nvSpPr>
+            <p:cNvPr id="175" name="Line 22">
+              <a:extLst>
+                <a:ext uri="{FF2B5EF4-FFF2-40B4-BE49-F238E27FC236}">
+                  <a16:creationId xmlns:a16="http://schemas.microsoft.com/office/drawing/2014/main" id="{83B2CEFD-0506-2544-891F-C7738181B1BD}"/>
+                </a:ext>
+              </a:extLst>
+            </p:cNvPr>
+            <p:cNvSpPr>
+              <a:spLocks noChangeShapeType="1"/>
+            </p:cNvSpPr>
+            <p:nvPr/>
+          </p:nvSpPr>
+          <p:spPr bwMode="auto">
+            <a:xfrm>
+              <a:off x="3538469" y="3764453"/>
+              <a:ext cx="879494" cy="0"/>
+            </a:xfrm>
+            <a:prstGeom prst="line">
+              <a:avLst/>
+            </a:prstGeom>
+            <a:noFill/>
+            <a:ln w="9525">
+              <a:solidFill>
+                <a:schemeClr val="tx1"/>
+              </a:solidFill>
+              <a:round/>
+              <a:headEnd/>
+              <a:tailEnd type="triangle" w="med" len="med"/>
+            </a:ln>
+            <a:effectLst/>
+          </p:spPr>
+          <p:txBody>
+            <a:bodyPr/>
+            <a:lstStyle/>
+            <a:p>
+              <a:endParaRPr lang="en-US" sz="1800">
+                <a:latin typeface="+mn-lt"/>
+              </a:endParaRPr>
+            </a:p>
+          </p:txBody>
+        </p:sp>
+        <p:sp>
+          <p:nvSpPr>
+            <p:cNvPr id="176" name="Text Box 45">
+              <a:extLst>
+                <a:ext uri="{FF2B5EF4-FFF2-40B4-BE49-F238E27FC236}">
+                  <a16:creationId xmlns:a16="http://schemas.microsoft.com/office/drawing/2014/main" id="{EE5B38A1-911E-024C-9712-2550AAB72F4A}"/>
+                </a:ext>
+              </a:extLst>
+            </p:cNvPr>
+            <p:cNvSpPr txBox="1">
+              <a:spLocks noChangeArrowheads="1"/>
+            </p:cNvSpPr>
+            <p:nvPr/>
+          </p:nvSpPr>
+          <p:spPr bwMode="auto">
+            <a:xfrm>
+              <a:off x="3868949" y="3652532"/>
+              <a:ext cx="307777" cy="215444"/>
+            </a:xfrm>
+            <a:prstGeom prst="rect">
+              <a:avLst/>
+            </a:prstGeom>
+            <a:solidFill>
+              <a:schemeClr val="bg1"/>
+            </a:solidFill>
+            <a:ln w="9525">
+              <a:noFill/>
+              <a:miter lim="800000"/>
+              <a:headEnd/>
+              <a:tailEnd/>
+            </a:ln>
+            <a:effectLst/>
+          </p:spPr>
+          <p:txBody>
+            <a:bodyPr wrap="none" lIns="0" tIns="0" rIns="0" bIns="0">
+              <a:spAutoFit/>
+            </a:bodyPr>
+            <a:lstStyle/>
+            <a:p>
+              <a:pPr>
+                <a:spcBef>
+                  <a:spcPct val="50000"/>
+                </a:spcBef>
+              </a:pPr>
+              <a:r>
+                <a:rPr lang="en-US" sz="1400" dirty="0">
+                  <a:latin typeface="+mn-lt"/>
+                </a:rPr>
+                <a:t>2,</a:t>
+              </a:r>
+              <a:r>
+                <a:rPr lang="en-US" sz="1400" b="1" dirty="0">
+                  <a:latin typeface="+mn-lt"/>
+                </a:rPr>
+                <a:t>1</a:t>
+              </a:r>
+            </a:p>
+          </p:txBody>
+        </p:sp>
+        <p:sp>
+          <p:nvSpPr>
+            <p:cNvPr id="177" name="Oval 176">
+              <a:extLst>
+                <a:ext uri="{FF2B5EF4-FFF2-40B4-BE49-F238E27FC236}">
+                  <a16:creationId xmlns:a16="http://schemas.microsoft.com/office/drawing/2014/main" id="{599DE8BF-ED3A-664D-AAF7-5B3BC12D6F0B}"/>
+                </a:ext>
+              </a:extLst>
+            </p:cNvPr>
+            <p:cNvSpPr>
+              <a:spLocks noChangeArrowheads="1"/>
+            </p:cNvSpPr>
+            <p:nvPr/>
+          </p:nvSpPr>
+          <p:spPr bwMode="auto">
+            <a:xfrm>
+              <a:off x="5553115" y="3628022"/>
+              <a:ext cx="263849" cy="272858"/>
+            </a:xfrm>
+            <a:prstGeom prst="ellipse">
+              <a:avLst/>
+            </a:prstGeom>
+            <a:solidFill>
+              <a:srgbClr val="CCFFFF"/>
+            </a:solidFill>
+            <a:ln w="9525">
+              <a:solidFill>
+                <a:schemeClr val="tx1"/>
+              </a:solidFill>
+              <a:round/>
+              <a:headEnd/>
+              <a:tailEnd/>
+            </a:ln>
+            <a:effectLst/>
+          </p:spPr>
+          <p:txBody>
+            <a:bodyPr wrap="none" anchor="ctr"/>
+            <a:lstStyle/>
+            <a:p>
+              <a:pPr algn="ctr"/>
+              <a:r>
+                <a:rPr lang="en-US" sz="1400" i="1" dirty="0">
+                  <a:latin typeface="+mn-lt"/>
+                </a:rPr>
+                <a:t>e</a:t>
+              </a:r>
+            </a:p>
+          </p:txBody>
+        </p:sp>
+        <p:sp>
+          <p:nvSpPr>
+            <p:cNvPr id="178" name="Line 22">
+              <a:extLst>
+                <a:ext uri="{FF2B5EF4-FFF2-40B4-BE49-F238E27FC236}">
+                  <a16:creationId xmlns:a16="http://schemas.microsoft.com/office/drawing/2014/main" id="{B540C9F3-79C3-FC47-832B-B05FE2CAAA44}"/>
+                </a:ext>
+              </a:extLst>
+            </p:cNvPr>
+            <p:cNvSpPr>
+              <a:spLocks noChangeShapeType="1"/>
+            </p:cNvSpPr>
+            <p:nvPr/>
+          </p:nvSpPr>
+          <p:spPr bwMode="auto">
+            <a:xfrm>
+              <a:off x="4673624" y="3764453"/>
+              <a:ext cx="879494" cy="0"/>
+            </a:xfrm>
+            <a:prstGeom prst="line">
+              <a:avLst/>
+            </a:prstGeom>
+            <a:noFill/>
+            <a:ln w="9525">
+              <a:solidFill>
+                <a:schemeClr val="tx1"/>
+              </a:solidFill>
+              <a:round/>
+              <a:headEnd/>
+              <a:tailEnd type="triangle" w="med" len="med"/>
+            </a:ln>
+            <a:effectLst/>
+          </p:spPr>
+          <p:txBody>
+            <a:bodyPr/>
+            <a:lstStyle/>
+            <a:p>
+              <a:endParaRPr lang="en-US" sz="1800">
+                <a:latin typeface="+mn-lt"/>
+              </a:endParaRPr>
+            </a:p>
+          </p:txBody>
+        </p:sp>
+        <p:sp>
+          <p:nvSpPr>
+            <p:cNvPr id="179" name="Text Box 45">
+              <a:extLst>
+                <a:ext uri="{FF2B5EF4-FFF2-40B4-BE49-F238E27FC236}">
+                  <a16:creationId xmlns:a16="http://schemas.microsoft.com/office/drawing/2014/main" id="{55565CCD-C129-3040-ADFC-B4C2B0E94015}"/>
+                </a:ext>
+              </a:extLst>
+            </p:cNvPr>
+            <p:cNvSpPr txBox="1">
+              <a:spLocks noChangeArrowheads="1"/>
+            </p:cNvSpPr>
+            <p:nvPr/>
+          </p:nvSpPr>
+          <p:spPr bwMode="auto">
+            <a:xfrm>
+              <a:off x="5004104" y="3652532"/>
+              <a:ext cx="307777" cy="215444"/>
+            </a:xfrm>
+            <a:prstGeom prst="rect">
+              <a:avLst/>
+            </a:prstGeom>
+            <a:solidFill>
+              <a:schemeClr val="bg1"/>
+            </a:solidFill>
+            <a:ln w="9525">
+              <a:noFill/>
+              <a:miter lim="800000"/>
+              <a:headEnd/>
+              <a:tailEnd/>
+            </a:ln>
+            <a:effectLst/>
+          </p:spPr>
+          <p:txBody>
+            <a:bodyPr wrap="none" lIns="0" tIns="0" rIns="0" bIns="0">
+              <a:spAutoFit/>
+            </a:bodyPr>
+            <a:lstStyle/>
+            <a:p>
+              <a:pPr>
+                <a:spcBef>
+                  <a:spcPct val="50000"/>
+                </a:spcBef>
+              </a:pPr>
+              <a:r>
+                <a:rPr lang="en-US" sz="1400" dirty="0">
+                  <a:latin typeface="+mn-lt"/>
+                </a:rPr>
+                <a:t>2,</a:t>
+              </a:r>
+              <a:r>
+                <a:rPr lang="en-US" sz="1400" b="1" dirty="0">
+                  <a:latin typeface="+mn-lt"/>
+                </a:rPr>
+                <a:t>1</a:t>
+              </a:r>
+            </a:p>
+          </p:txBody>
+        </p:sp>
+        <p:sp>
+          <p:nvSpPr>
+            <p:cNvPr id="180" name="Oval 179">
+              <a:extLst>
+                <a:ext uri="{FF2B5EF4-FFF2-40B4-BE49-F238E27FC236}">
+                  <a16:creationId xmlns:a16="http://schemas.microsoft.com/office/drawing/2014/main" id="{46517A9A-FE22-6A49-8861-A3FE695E516C}"/>
+                </a:ext>
+              </a:extLst>
+            </p:cNvPr>
+            <p:cNvSpPr>
+              <a:spLocks noChangeArrowheads="1"/>
+            </p:cNvSpPr>
+            <p:nvPr/>
+          </p:nvSpPr>
+          <p:spPr bwMode="auto">
+            <a:xfrm>
+              <a:off x="6704636" y="3628022"/>
+              <a:ext cx="263849" cy="272858"/>
+            </a:xfrm>
+            <a:prstGeom prst="ellipse">
+              <a:avLst/>
+            </a:prstGeom>
+            <a:solidFill>
+              <a:srgbClr val="CCFFFF"/>
+            </a:solidFill>
+            <a:ln w="9525">
+              <a:solidFill>
+                <a:schemeClr val="tx1"/>
+              </a:solidFill>
+              <a:round/>
+              <a:headEnd/>
+              <a:tailEnd/>
+            </a:ln>
+            <a:effectLst/>
+          </p:spPr>
+          <p:txBody>
+            <a:bodyPr wrap="none" anchor="ctr"/>
+            <a:lstStyle/>
+            <a:p>
+              <a:pPr algn="ctr"/>
+              <a:r>
+                <a:rPr lang="en-US" sz="1400" i="1" dirty="0">
+                  <a:latin typeface="+mn-lt"/>
+                </a:rPr>
+                <a:t>f</a:t>
+              </a:r>
+            </a:p>
+          </p:txBody>
+        </p:sp>
+        <p:sp>
+          <p:nvSpPr>
+            <p:cNvPr id="181" name="Line 22">
+              <a:extLst>
+                <a:ext uri="{FF2B5EF4-FFF2-40B4-BE49-F238E27FC236}">
+                  <a16:creationId xmlns:a16="http://schemas.microsoft.com/office/drawing/2014/main" id="{4E3E0FFE-C935-F248-89B3-E99BAFCFE1F8}"/>
+                </a:ext>
+              </a:extLst>
+            </p:cNvPr>
+            <p:cNvSpPr>
+              <a:spLocks noChangeShapeType="1"/>
+            </p:cNvSpPr>
+            <p:nvPr/>
+          </p:nvSpPr>
+          <p:spPr bwMode="auto">
+            <a:xfrm>
+              <a:off x="5825145" y="3764453"/>
+              <a:ext cx="879494" cy="0"/>
+            </a:xfrm>
+            <a:prstGeom prst="line">
+              <a:avLst/>
+            </a:prstGeom>
+            <a:noFill/>
+            <a:ln w="9525">
+              <a:solidFill>
+                <a:schemeClr val="tx1"/>
+              </a:solidFill>
+              <a:round/>
+              <a:headEnd/>
+              <a:tailEnd type="triangle" w="med" len="med"/>
+            </a:ln>
+            <a:effectLst/>
+          </p:spPr>
+          <p:txBody>
+            <a:bodyPr/>
+            <a:lstStyle/>
+            <a:p>
+              <a:endParaRPr lang="en-US" sz="1800">
+                <a:latin typeface="+mn-lt"/>
+              </a:endParaRPr>
+            </a:p>
+          </p:txBody>
+        </p:sp>
+        <p:sp>
+          <p:nvSpPr>
+            <p:cNvPr id="182" name="Text Box 45">
+              <a:extLst>
+                <a:ext uri="{FF2B5EF4-FFF2-40B4-BE49-F238E27FC236}">
+                  <a16:creationId xmlns:a16="http://schemas.microsoft.com/office/drawing/2014/main" id="{09C07481-1BC7-F248-9FD3-03F81E5D3621}"/>
+                </a:ext>
+              </a:extLst>
+            </p:cNvPr>
+            <p:cNvSpPr txBox="1">
+              <a:spLocks noChangeArrowheads="1"/>
+            </p:cNvSpPr>
+            <p:nvPr/>
+          </p:nvSpPr>
+          <p:spPr bwMode="auto">
+            <a:xfrm>
+              <a:off x="6155625" y="3652532"/>
+              <a:ext cx="293350" cy="215444"/>
+            </a:xfrm>
+            <a:prstGeom prst="rect">
+              <a:avLst/>
+            </a:prstGeom>
+            <a:solidFill>
+              <a:schemeClr val="bg1"/>
+            </a:solidFill>
+            <a:ln w="9525">
+              <a:noFill/>
+              <a:miter lim="800000"/>
+              <a:headEnd/>
+              <a:tailEnd/>
+            </a:ln>
+            <a:effectLst/>
+          </p:spPr>
+          <p:txBody>
+            <a:bodyPr wrap="none" lIns="0" tIns="0" rIns="0" bIns="0">
+              <a:spAutoFit/>
+            </a:bodyPr>
+            <a:lstStyle/>
+            <a:p>
+              <a:pPr>
+                <a:spcBef>
+                  <a:spcPct val="50000"/>
+                </a:spcBef>
+              </a:pPr>
+              <a:r>
+                <a:rPr lang="en-US" sz="1400" dirty="0">
+                  <a:latin typeface="+mn-lt"/>
+                </a:rPr>
+                <a:t>1,1</a:t>
+              </a:r>
+            </a:p>
+          </p:txBody>
+        </p:sp>
+        <p:sp>
+          <p:nvSpPr>
+            <p:cNvPr id="183" name="Text Box 37">
+              <a:extLst>
+                <a:ext uri="{FF2B5EF4-FFF2-40B4-BE49-F238E27FC236}">
+                  <a16:creationId xmlns:a16="http://schemas.microsoft.com/office/drawing/2014/main" id="{6B6AF469-A29B-DD47-998B-B7CA1840D5C3}"/>
+                </a:ext>
+              </a:extLst>
+            </p:cNvPr>
+            <p:cNvSpPr txBox="1">
+              <a:spLocks noChangeArrowheads="1"/>
+            </p:cNvSpPr>
+            <p:nvPr/>
+          </p:nvSpPr>
+          <p:spPr bwMode="auto">
+            <a:xfrm>
+              <a:off x="5628132" y="3908500"/>
+              <a:ext cx="128240" cy="215444"/>
+            </a:xfrm>
+            <a:prstGeom prst="rect">
+              <a:avLst/>
+            </a:prstGeom>
+            <a:noFill/>
+            <a:ln w="9525">
+              <a:noFill/>
+              <a:miter lim="800000"/>
+              <a:headEnd/>
+              <a:tailEnd/>
+            </a:ln>
+            <a:effectLst/>
+          </p:spPr>
+          <p:txBody>
+            <a:bodyPr wrap="none" lIns="0" tIns="0" rIns="0" bIns="0">
+              <a:spAutoFit/>
+            </a:bodyPr>
+            <a:lstStyle/>
+            <a:p>
+              <a:pPr>
+                <a:spcBef>
+                  <a:spcPct val="50000"/>
+                </a:spcBef>
+              </a:pPr>
+              <a:r>
+                <a:rPr lang="en-US" sz="1400" b="1" dirty="0">
+                  <a:latin typeface="+mn-lt"/>
+                </a:rPr>
+                <a:t>8</a:t>
+              </a:r>
+            </a:p>
+          </p:txBody>
+        </p:sp>
+        <p:sp>
+          <p:nvSpPr>
+            <p:cNvPr id="184" name="Text Box 37">
+              <a:extLst>
+                <a:ext uri="{FF2B5EF4-FFF2-40B4-BE49-F238E27FC236}">
+                  <a16:creationId xmlns:a16="http://schemas.microsoft.com/office/drawing/2014/main" id="{B453A5AB-66ED-7945-9E8C-DD849E5A685D}"/>
+                </a:ext>
+              </a:extLst>
+            </p:cNvPr>
+            <p:cNvSpPr txBox="1">
+              <a:spLocks noChangeArrowheads="1"/>
+            </p:cNvSpPr>
+            <p:nvPr/>
+          </p:nvSpPr>
+          <p:spPr bwMode="auto">
+            <a:xfrm>
+              <a:off x="4485651" y="3908500"/>
+              <a:ext cx="113814" cy="215444"/>
+            </a:xfrm>
+            <a:prstGeom prst="rect">
+              <a:avLst/>
+            </a:prstGeom>
+            <a:noFill/>
+            <a:ln w="9525">
+              <a:noFill/>
+              <a:miter lim="800000"/>
+              <a:headEnd/>
+              <a:tailEnd/>
+            </a:ln>
+            <a:effectLst/>
+          </p:spPr>
+          <p:txBody>
+            <a:bodyPr wrap="none" lIns="0" tIns="0" rIns="0" bIns="0">
+              <a:spAutoFit/>
+            </a:bodyPr>
+            <a:lstStyle/>
+            <a:p>
+              <a:pPr>
+                <a:spcBef>
+                  <a:spcPct val="50000"/>
+                </a:spcBef>
+              </a:pPr>
+              <a:r>
+                <a:rPr lang="en-US" sz="1400" dirty="0">
+                  <a:latin typeface="+mn-lt"/>
+                </a:rPr>
+                <a:t>7</a:t>
+              </a:r>
+            </a:p>
+          </p:txBody>
+        </p:sp>
+        <p:sp>
+          <p:nvSpPr>
+            <p:cNvPr id="185" name="Text Box 37">
+              <a:extLst>
+                <a:ext uri="{FF2B5EF4-FFF2-40B4-BE49-F238E27FC236}">
+                  <a16:creationId xmlns:a16="http://schemas.microsoft.com/office/drawing/2014/main" id="{D8FEBFC9-9BB7-C64C-82A7-288650CF2BBE}"/>
+                </a:ext>
+              </a:extLst>
+            </p:cNvPr>
+            <p:cNvSpPr txBox="1">
+              <a:spLocks noChangeArrowheads="1"/>
+            </p:cNvSpPr>
+            <p:nvPr/>
+          </p:nvSpPr>
+          <p:spPr bwMode="auto">
+            <a:xfrm>
+              <a:off x="3323346" y="3908500"/>
+              <a:ext cx="113814" cy="215444"/>
+            </a:xfrm>
+            <a:prstGeom prst="rect">
+              <a:avLst/>
+            </a:prstGeom>
+            <a:noFill/>
+            <a:ln w="9525">
+              <a:noFill/>
+              <a:miter lim="800000"/>
+              <a:headEnd/>
+              <a:tailEnd/>
+            </a:ln>
+            <a:effectLst/>
+          </p:spPr>
+          <p:txBody>
+            <a:bodyPr wrap="none" lIns="0" tIns="0" rIns="0" bIns="0">
+              <a:spAutoFit/>
+            </a:bodyPr>
+            <a:lstStyle/>
+            <a:p>
+              <a:pPr>
+                <a:spcBef>
+                  <a:spcPct val="50000"/>
+                </a:spcBef>
+              </a:pPr>
+              <a:r>
+                <a:rPr lang="en-US" sz="1400" dirty="0">
+                  <a:latin typeface="+mn-lt"/>
+                </a:rPr>
+                <a:t>6</a:t>
+              </a:r>
+            </a:p>
+          </p:txBody>
+        </p:sp>
+        <p:sp>
+          <p:nvSpPr>
+            <p:cNvPr id="186" name="Text Box 37">
+              <a:extLst>
+                <a:ext uri="{FF2B5EF4-FFF2-40B4-BE49-F238E27FC236}">
+                  <a16:creationId xmlns:a16="http://schemas.microsoft.com/office/drawing/2014/main" id="{F2876EF0-88B5-BB44-894C-952E39BB5111}"/>
+                </a:ext>
+              </a:extLst>
+            </p:cNvPr>
+            <p:cNvSpPr txBox="1">
+              <a:spLocks noChangeArrowheads="1"/>
+            </p:cNvSpPr>
+            <p:nvPr/>
+          </p:nvSpPr>
+          <p:spPr bwMode="auto">
+            <a:xfrm>
+              <a:off x="2198117" y="3899885"/>
+              <a:ext cx="113814" cy="215444"/>
+            </a:xfrm>
+            <a:prstGeom prst="rect">
+              <a:avLst/>
+            </a:prstGeom>
+            <a:noFill/>
+            <a:ln w="9525">
+              <a:noFill/>
+              <a:miter lim="800000"/>
+              <a:headEnd/>
+              <a:tailEnd/>
+            </a:ln>
+            <a:effectLst/>
+          </p:spPr>
+          <p:txBody>
+            <a:bodyPr wrap="none" lIns="0" tIns="0" rIns="0" bIns="0">
+              <a:spAutoFit/>
+            </a:bodyPr>
+            <a:lstStyle/>
+            <a:p>
+              <a:pPr>
+                <a:spcBef>
+                  <a:spcPct val="50000"/>
+                </a:spcBef>
+              </a:pPr>
+              <a:r>
+                <a:rPr lang="en-US" sz="1400" dirty="0">
+                  <a:latin typeface="+mn-lt"/>
+                </a:rPr>
+                <a:t>7</a:t>
+              </a:r>
+            </a:p>
+          </p:txBody>
+        </p:sp>
+        <p:sp>
+          <p:nvSpPr>
+            <p:cNvPr id="187" name="Text Box 37">
+              <a:extLst>
+                <a:ext uri="{FF2B5EF4-FFF2-40B4-BE49-F238E27FC236}">
+                  <a16:creationId xmlns:a16="http://schemas.microsoft.com/office/drawing/2014/main" id="{287D6539-86BD-AF45-9F2D-863E64136A14}"/>
+                </a:ext>
+              </a:extLst>
+            </p:cNvPr>
+            <p:cNvSpPr txBox="1">
+              <a:spLocks noChangeArrowheads="1"/>
+            </p:cNvSpPr>
+            <p:nvPr/>
+          </p:nvSpPr>
+          <p:spPr bwMode="auto">
+            <a:xfrm>
+              <a:off x="1062958" y="3908500"/>
+              <a:ext cx="113814" cy="215444"/>
+            </a:xfrm>
+            <a:prstGeom prst="rect">
+              <a:avLst/>
+            </a:prstGeom>
+            <a:noFill/>
+            <a:ln w="9525">
+              <a:noFill/>
+              <a:miter lim="800000"/>
+              <a:headEnd/>
+              <a:tailEnd/>
+            </a:ln>
+            <a:effectLst/>
+          </p:spPr>
+          <p:txBody>
+            <a:bodyPr wrap="none" lIns="0" tIns="0" rIns="0" bIns="0">
+              <a:spAutoFit/>
+            </a:bodyPr>
+            <a:lstStyle/>
+            <a:p>
+              <a:pPr>
+                <a:spcBef>
+                  <a:spcPct val="50000"/>
+                </a:spcBef>
+              </a:pPr>
+              <a:r>
+                <a:rPr lang="en-US" sz="1400" dirty="0">
+                  <a:latin typeface="+mn-lt"/>
+                </a:rPr>
+                <a:t>8</a:t>
+              </a:r>
+            </a:p>
+          </p:txBody>
+        </p:sp>
+      </p:grpSp>
+    </p:spTree>
+    <p:extLst>
+      <p:ext uri="{BB962C8B-B14F-4D97-AF65-F5344CB8AC3E}">
+        <p14:creationId xmlns:p14="http://schemas.microsoft.com/office/powerpoint/2010/main" val="4275520256"/>
+      </p:ext>
+    </p:extLst>
+  </p:cSld>
+  <p:clrMapOvr>
+    <a:masterClrMapping/>
+  </p:clrMapOvr>
+</p:sld>
+</file>
+
 <file path=ppt/slides/slide2.xml><?xml version="1.0" encoding="utf-8"?>
 <p:sld xmlns:a="http://schemas.openxmlformats.org/drawingml/2006/main" xmlns:r="http://schemas.openxmlformats.org/officeDocument/2006/relationships" xmlns:p="http://schemas.openxmlformats.org/presentationml/2006/main" showMasterPhAnim="0">
   <p:cSld>
